--- a/Documents/Презентация.pptx
+++ b/Documents/Презентация.pptx
@@ -8,14 +8,17 @@
     <p:sldId id="256" r:id="rId2"/>
     <p:sldId id="258" r:id="rId3"/>
     <p:sldId id="257" r:id="rId4"/>
-    <p:sldId id="260" r:id="rId5"/>
-    <p:sldId id="259" r:id="rId6"/>
-    <p:sldId id="261" r:id="rId7"/>
-    <p:sldId id="262" r:id="rId8"/>
-    <p:sldId id="263" r:id="rId9"/>
-    <p:sldId id="264" r:id="rId10"/>
-    <p:sldId id="265" r:id="rId11"/>
-    <p:sldId id="266" r:id="rId12"/>
+    <p:sldId id="267" r:id="rId5"/>
+    <p:sldId id="260" r:id="rId6"/>
+    <p:sldId id="259" r:id="rId7"/>
+    <p:sldId id="261" r:id="rId8"/>
+    <p:sldId id="262" r:id="rId9"/>
+    <p:sldId id="263" r:id="rId10"/>
+    <p:sldId id="264" r:id="rId11"/>
+    <p:sldId id="269" r:id="rId12"/>
+    <p:sldId id="265" r:id="rId13"/>
+    <p:sldId id="268" r:id="rId14"/>
+    <p:sldId id="266" r:id="rId15"/>
   </p:sldIdLst>
   <p:sldSz cx="12192000" cy="6858000"/>
   <p:notesSz cx="6858000" cy="9144000"/>
@@ -114,6 +117,11 @@
       </a:defRPr>
     </a:lvl9pPr>
   </p:defaultTextStyle>
+  <p:extLst>
+    <p:ext uri="{EFAFB233-063F-42B5-8137-9DF3F51BA10A}">
+      <p15:sldGuideLst xmlns:p15="http://schemas.microsoft.com/office/powerpoint/2012/main"/>
+    </p:ext>
+  </p:extLst>
 </p:presentation>
 </file>
 
@@ -248,7 +256,7 @@
           <a:p>
             <a:fld id="{B5871932-204D-44A8-AB41-9CC912197922}" type="datetimeFigureOut">
               <a:rPr lang="ru-RU" smtClean="0"/>
-              <a:t>01.06.2020</a:t>
+              <a:t>04.06.2020</a:t>
             </a:fld>
             <a:endParaRPr lang="ru-RU"/>
           </a:p>
@@ -418,7 +426,7 @@
           <a:p>
             <a:fld id="{B5871932-204D-44A8-AB41-9CC912197922}" type="datetimeFigureOut">
               <a:rPr lang="ru-RU" smtClean="0"/>
-              <a:t>01.06.2020</a:t>
+              <a:t>04.06.2020</a:t>
             </a:fld>
             <a:endParaRPr lang="ru-RU"/>
           </a:p>
@@ -598,7 +606,7 @@
           <a:p>
             <a:fld id="{B5871932-204D-44A8-AB41-9CC912197922}" type="datetimeFigureOut">
               <a:rPr lang="ru-RU" smtClean="0"/>
-              <a:t>01.06.2020</a:t>
+              <a:t>04.06.2020</a:t>
             </a:fld>
             <a:endParaRPr lang="ru-RU"/>
           </a:p>
@@ -768,7 +776,7 @@
           <a:p>
             <a:fld id="{B5871932-204D-44A8-AB41-9CC912197922}" type="datetimeFigureOut">
               <a:rPr lang="ru-RU" smtClean="0"/>
-              <a:t>01.06.2020</a:t>
+              <a:t>04.06.2020</a:t>
             </a:fld>
             <a:endParaRPr lang="ru-RU"/>
           </a:p>
@@ -1014,7 +1022,7 @@
           <a:p>
             <a:fld id="{B5871932-204D-44A8-AB41-9CC912197922}" type="datetimeFigureOut">
               <a:rPr lang="ru-RU" smtClean="0"/>
-              <a:t>01.06.2020</a:t>
+              <a:t>04.06.2020</a:t>
             </a:fld>
             <a:endParaRPr lang="ru-RU"/>
           </a:p>
@@ -1246,7 +1254,7 @@
           <a:p>
             <a:fld id="{B5871932-204D-44A8-AB41-9CC912197922}" type="datetimeFigureOut">
               <a:rPr lang="ru-RU" smtClean="0"/>
-              <a:t>01.06.2020</a:t>
+              <a:t>04.06.2020</a:t>
             </a:fld>
             <a:endParaRPr lang="ru-RU"/>
           </a:p>
@@ -1613,7 +1621,7 @@
           <a:p>
             <a:fld id="{B5871932-204D-44A8-AB41-9CC912197922}" type="datetimeFigureOut">
               <a:rPr lang="ru-RU" smtClean="0"/>
-              <a:t>01.06.2020</a:t>
+              <a:t>04.06.2020</a:t>
             </a:fld>
             <a:endParaRPr lang="ru-RU"/>
           </a:p>
@@ -1731,7 +1739,7 @@
           <a:p>
             <a:fld id="{B5871932-204D-44A8-AB41-9CC912197922}" type="datetimeFigureOut">
               <a:rPr lang="ru-RU" smtClean="0"/>
-              <a:t>01.06.2020</a:t>
+              <a:t>04.06.2020</a:t>
             </a:fld>
             <a:endParaRPr lang="ru-RU"/>
           </a:p>
@@ -1826,7 +1834,7 @@
           <a:p>
             <a:fld id="{B5871932-204D-44A8-AB41-9CC912197922}" type="datetimeFigureOut">
               <a:rPr lang="ru-RU" smtClean="0"/>
-              <a:t>01.06.2020</a:t>
+              <a:t>04.06.2020</a:t>
             </a:fld>
             <a:endParaRPr lang="ru-RU"/>
           </a:p>
@@ -2103,7 +2111,7 @@
           <a:p>
             <a:fld id="{B5871932-204D-44A8-AB41-9CC912197922}" type="datetimeFigureOut">
               <a:rPr lang="ru-RU" smtClean="0"/>
-              <a:t>01.06.2020</a:t>
+              <a:t>04.06.2020</a:t>
             </a:fld>
             <a:endParaRPr lang="ru-RU"/>
           </a:p>
@@ -2356,7 +2364,7 @@
           <a:p>
             <a:fld id="{B5871932-204D-44A8-AB41-9CC912197922}" type="datetimeFigureOut">
               <a:rPr lang="ru-RU" smtClean="0"/>
-              <a:t>01.06.2020</a:t>
+              <a:t>04.06.2020</a:t>
             </a:fld>
             <a:endParaRPr lang="ru-RU"/>
           </a:p>
@@ -2569,7 +2577,7 @@
           <a:p>
             <a:fld id="{B5871932-204D-44A8-AB41-9CC912197922}" type="datetimeFigureOut">
               <a:rPr lang="ru-RU" smtClean="0"/>
-              <a:t>01.06.2020</a:t>
+              <a:t>04.06.2020</a:t>
             </a:fld>
             <a:endParaRPr lang="ru-RU"/>
           </a:p>
@@ -3045,6 +3053,13 @@
   <p:clrMapOvr>
     <a:masterClrMapping/>
   </p:clrMapOvr>
+  <p:timing>
+    <p:tnLst>
+      <p:par>
+        <p:cTn id="1" dur="indefinite" restart="never" nodeType="tmRoot"/>
+      </p:par>
+    </p:tnLst>
+  </p:timing>
 </p:sld>
 </file>
 
@@ -3067,6 +3082,144 @@
       </p:grpSpPr>
       <p:sp>
         <p:nvSpPr>
+          <p:cNvPr id="23" name="Стрелка вниз 22"/>
+          <p:cNvSpPr/>
+          <p:nvPr/>
+        </p:nvSpPr>
+        <p:spPr>
+          <a:xfrm>
+            <a:off x="6183805" y="4559256"/>
+            <a:ext cx="317584" cy="547782"/>
+          </a:xfrm>
+          <a:prstGeom prst="downArrow">
+            <a:avLst/>
+          </a:prstGeom>
+          <a:solidFill>
+            <a:schemeClr val="accent2">
+              <a:lumMod val="40000"/>
+              <a:lumOff val="60000"/>
+            </a:schemeClr>
+          </a:solidFill>
+        </p:spPr>
+        <p:style>
+          <a:lnRef idx="2">
+            <a:schemeClr val="accent1">
+              <a:shade val="50000"/>
+            </a:schemeClr>
+          </a:lnRef>
+          <a:fillRef idx="1">
+            <a:schemeClr val="accent1"/>
+          </a:fillRef>
+          <a:effectRef idx="0">
+            <a:schemeClr val="accent1"/>
+          </a:effectRef>
+          <a:fontRef idx="minor">
+            <a:schemeClr val="lt1"/>
+          </a:fontRef>
+        </p:style>
+        <p:txBody>
+          <a:bodyPr rtlCol="0" anchor="ctr"/>
+          <a:lstStyle/>
+          <a:p>
+            <a:pPr algn="ctr"/>
+            <a:endParaRPr lang="ru-RU"/>
+          </a:p>
+        </p:txBody>
+      </p:sp>
+      <p:sp>
+        <p:nvSpPr>
+          <p:cNvPr id="22" name="Стрелка вниз 21"/>
+          <p:cNvSpPr/>
+          <p:nvPr/>
+        </p:nvSpPr>
+        <p:spPr>
+          <a:xfrm>
+            <a:off x="6179042" y="2756749"/>
+            <a:ext cx="327109" cy="506486"/>
+          </a:xfrm>
+          <a:prstGeom prst="downArrow">
+            <a:avLst/>
+          </a:prstGeom>
+          <a:solidFill>
+            <a:schemeClr val="accent2">
+              <a:lumMod val="40000"/>
+              <a:lumOff val="60000"/>
+            </a:schemeClr>
+          </a:solidFill>
+        </p:spPr>
+        <p:style>
+          <a:lnRef idx="2">
+            <a:schemeClr val="accent1">
+              <a:shade val="50000"/>
+            </a:schemeClr>
+          </a:lnRef>
+          <a:fillRef idx="1">
+            <a:schemeClr val="accent1"/>
+          </a:fillRef>
+          <a:effectRef idx="0">
+            <a:schemeClr val="accent1"/>
+          </a:effectRef>
+          <a:fontRef idx="minor">
+            <a:schemeClr val="lt1"/>
+          </a:fontRef>
+        </p:style>
+        <p:txBody>
+          <a:bodyPr rtlCol="0" anchor="ctr"/>
+          <a:lstStyle/>
+          <a:p>
+            <a:pPr algn="ctr"/>
+            <a:endParaRPr lang="ru-RU"/>
+          </a:p>
+        </p:txBody>
+      </p:sp>
+      <p:sp>
+        <p:nvSpPr>
+          <p:cNvPr id="21" name="Стрелка вниз 20"/>
+          <p:cNvSpPr/>
+          <p:nvPr/>
+        </p:nvSpPr>
+        <p:spPr>
+          <a:xfrm>
+            <a:off x="6182756" y="1225903"/>
+            <a:ext cx="319679" cy="438761"/>
+          </a:xfrm>
+          <a:prstGeom prst="downArrow">
+            <a:avLst/>
+          </a:prstGeom>
+          <a:solidFill>
+            <a:schemeClr val="accent2">
+              <a:lumMod val="40000"/>
+              <a:lumOff val="60000"/>
+            </a:schemeClr>
+          </a:solidFill>
+        </p:spPr>
+        <p:style>
+          <a:lnRef idx="2">
+            <a:schemeClr val="accent1">
+              <a:shade val="50000"/>
+            </a:schemeClr>
+          </a:lnRef>
+          <a:fillRef idx="1">
+            <a:schemeClr val="accent1"/>
+          </a:fillRef>
+          <a:effectRef idx="0">
+            <a:schemeClr val="accent1"/>
+          </a:effectRef>
+          <a:fontRef idx="minor">
+            <a:schemeClr val="lt1"/>
+          </a:fontRef>
+        </p:style>
+        <p:txBody>
+          <a:bodyPr rtlCol="0" anchor="ctr"/>
+          <a:lstStyle/>
+          <a:p>
+            <a:pPr algn="ctr"/>
+            <a:endParaRPr lang="ru-RU"/>
+          </a:p>
+        </p:txBody>
+      </p:sp>
+      <p:sp>
+        <p:nvSpPr>
           <p:cNvPr id="2" name="Заголовок 1"/>
           <p:cNvSpPr>
             <a:spLocks noGrp="1"/>
@@ -3075,77 +3228,34 @@
             <p:ph type="title"/>
           </p:nvPr>
         </p:nvSpPr>
-        <p:spPr/>
+        <p:spPr>
+          <a:xfrm>
+            <a:off x="0" y="-478292"/>
+            <a:ext cx="10515600" cy="1325563"/>
+          </a:xfrm>
+        </p:spPr>
         <p:txBody>
           <a:bodyPr/>
           <a:lstStyle/>
           <a:p>
             <a:r>
               <a:rPr lang="ru-RU" dirty="0" smtClean="0"/>
-              <a:t>Поиск пути</a:t>
+              <a:t>Структура проекта</a:t>
             </a:r>
             <a:endParaRPr lang="ru-RU" dirty="0"/>
           </a:p>
         </p:txBody>
       </p:sp>
-      <p:pic>
-        <p:nvPicPr>
-          <p:cNvPr id="3" name="Рисунок 2"/>
-          <p:cNvPicPr>
-            <a:picLocks noChangeAspect="1"/>
-          </p:cNvPicPr>
-          <p:nvPr/>
-        </p:nvPicPr>
-        <p:blipFill>
-          <a:blip r:embed="rId2"/>
-          <a:stretch>
-            <a:fillRect/>
-          </a:stretch>
-        </p:blipFill>
-        <p:spPr>
-          <a:xfrm>
-            <a:off x="515293" y="1690687"/>
-            <a:ext cx="5580707" cy="2929518"/>
-          </a:xfrm>
-          <a:prstGeom prst="rect">
-            <a:avLst/>
-          </a:prstGeom>
-        </p:spPr>
-      </p:pic>
-      <p:pic>
-        <p:nvPicPr>
-          <p:cNvPr id="4" name="Рисунок 3"/>
-          <p:cNvPicPr>
-            <a:picLocks noChangeAspect="1"/>
-          </p:cNvPicPr>
-          <p:nvPr/>
-        </p:nvPicPr>
-        <p:blipFill>
-          <a:blip r:embed="rId3"/>
-          <a:stretch>
-            <a:fillRect/>
-          </a:stretch>
-        </p:blipFill>
-        <p:spPr>
-          <a:xfrm>
-            <a:off x="6418907" y="1690687"/>
-            <a:ext cx="5580711" cy="2929519"/>
-          </a:xfrm>
-          <a:prstGeom prst="rect">
-            <a:avLst/>
-          </a:prstGeom>
-        </p:spPr>
-      </p:pic>
-      <p:sp>
-        <p:nvSpPr>
-          <p:cNvPr id="9" name="TextBox 8"/>
+      <p:sp>
+        <p:nvSpPr>
+          <p:cNvPr id="8" name="TextBox 7"/>
           <p:cNvSpPr txBox="1"/>
           <p:nvPr/>
         </p:nvSpPr>
         <p:spPr>
           <a:xfrm>
-            <a:off x="3630413" y="4620205"/>
-            <a:ext cx="5727915" cy="461665"/>
+            <a:off x="4924425" y="6396334"/>
+            <a:ext cx="2783391" cy="461665"/>
           </a:xfrm>
           <a:prstGeom prst="rect">
             <a:avLst/>
@@ -3161,22 +3271,513 @@
             <a:pPr algn="ctr"/>
             <a:r>
               <a:rPr lang="ru-RU" sz="2400" b="1" dirty="0" smtClean="0"/>
-              <a:t>Поиск пути с указанием опасного участка</a:t>
+              <a:t>Уровни абстракции</a:t>
             </a:r>
             <a:endParaRPr lang="ru-RU" sz="2400" dirty="0"/>
+          </a:p>
+        </p:txBody>
+      </p:sp>
+      <p:sp>
+        <p:nvSpPr>
+          <p:cNvPr id="10" name="Скругленный прямоугольник 9"/>
+          <p:cNvSpPr/>
+          <p:nvPr/>
+        </p:nvSpPr>
+        <p:spPr>
+          <a:xfrm>
+            <a:off x="3607880" y="624490"/>
+            <a:ext cx="5469450" cy="634026"/>
+          </a:xfrm>
+          <a:prstGeom prst="roundRect">
+            <a:avLst/>
+          </a:prstGeom>
+          <a:solidFill>
+            <a:srgbClr val="DAE8FC"/>
+          </a:solidFill>
+        </p:spPr>
+        <p:style>
+          <a:lnRef idx="2">
+            <a:schemeClr val="accent1">
+              <a:shade val="50000"/>
+            </a:schemeClr>
+          </a:lnRef>
+          <a:fillRef idx="1">
+            <a:schemeClr val="accent1"/>
+          </a:fillRef>
+          <a:effectRef idx="0">
+            <a:schemeClr val="accent1"/>
+          </a:effectRef>
+          <a:fontRef idx="minor">
+            <a:schemeClr val="lt1"/>
+          </a:fontRef>
+        </p:style>
+        <p:txBody>
+          <a:bodyPr rtlCol="0" anchor="ctr"/>
+          <a:lstStyle/>
+          <a:p>
+            <a:pPr algn="ctr"/>
+            <a:r>
+              <a:rPr lang="en-US" sz="2000" b="1" dirty="0" err="1" smtClean="0">
+                <a:solidFill>
+                  <a:schemeClr val="tx1"/>
+                </a:solidFill>
+              </a:rPr>
+              <a:t>MapAround</a:t>
+            </a:r>
+            <a:endParaRPr lang="ru-RU" sz="2000" b="1" dirty="0">
+              <a:solidFill>
+                <a:schemeClr val="tx1"/>
+              </a:solidFill>
+            </a:endParaRPr>
+          </a:p>
+        </p:txBody>
+      </p:sp>
+      <p:sp>
+        <p:nvSpPr>
+          <p:cNvPr id="11" name="Скругленный прямоугольник 10"/>
+          <p:cNvSpPr/>
+          <p:nvPr/>
+        </p:nvSpPr>
+        <p:spPr>
+          <a:xfrm>
+            <a:off x="3607875" y="1536339"/>
+            <a:ext cx="5469450" cy="1425005"/>
+          </a:xfrm>
+          <a:prstGeom prst="roundRect">
+            <a:avLst/>
+          </a:prstGeom>
+          <a:solidFill>
+            <a:srgbClr val="D5E8D4"/>
+          </a:solidFill>
+        </p:spPr>
+        <p:style>
+          <a:lnRef idx="2">
+            <a:schemeClr val="accent1">
+              <a:shade val="50000"/>
+            </a:schemeClr>
+          </a:lnRef>
+          <a:fillRef idx="1">
+            <a:schemeClr val="accent1"/>
+          </a:fillRef>
+          <a:effectRef idx="0">
+            <a:schemeClr val="accent1"/>
+          </a:effectRef>
+          <a:fontRef idx="minor">
+            <a:schemeClr val="lt1"/>
+          </a:fontRef>
+        </p:style>
+        <p:txBody>
+          <a:bodyPr rtlCol="0" anchor="ctr"/>
+          <a:lstStyle/>
+          <a:p>
+            <a:pPr algn="ctr"/>
+            <a:endParaRPr lang="ru-RU" b="1" dirty="0">
+              <a:solidFill>
+                <a:schemeClr val="tx1"/>
+              </a:solidFill>
+            </a:endParaRPr>
+          </a:p>
+        </p:txBody>
+      </p:sp>
+      <p:sp>
+        <p:nvSpPr>
+          <p:cNvPr id="12" name="TextBox 11"/>
+          <p:cNvSpPr txBox="1"/>
+          <p:nvPr/>
+        </p:nvSpPr>
+        <p:spPr>
+          <a:xfrm>
+            <a:off x="5745811" y="1635689"/>
+            <a:ext cx="1140611" cy="369332"/>
+          </a:xfrm>
+          <a:prstGeom prst="rect">
+            <a:avLst/>
+          </a:prstGeom>
+          <a:noFill/>
+        </p:spPr>
+        <p:txBody>
+          <a:bodyPr wrap="square" rtlCol="0">
+            <a:spAutoFit/>
+          </a:bodyPr>
+          <a:lstStyle/>
+          <a:p>
+            <a:pPr algn="ctr"/>
+            <a:r>
+              <a:rPr lang="en-US" b="1" dirty="0" err="1" smtClean="0"/>
+              <a:t>ICellMap</a:t>
+            </a:r>
+            <a:endParaRPr lang="ru-RU" b="1" dirty="0"/>
+          </a:p>
+        </p:txBody>
+      </p:sp>
+      <p:sp>
+        <p:nvSpPr>
+          <p:cNvPr id="13" name="Скругленный прямоугольник 12"/>
+          <p:cNvSpPr/>
+          <p:nvPr/>
+        </p:nvSpPr>
+        <p:spPr>
+          <a:xfrm>
+            <a:off x="4023696" y="2236735"/>
+            <a:ext cx="4637806" cy="425918"/>
+          </a:xfrm>
+          <a:prstGeom prst="roundRect">
+            <a:avLst/>
+          </a:prstGeom>
+          <a:solidFill>
+            <a:srgbClr val="DAE8FC"/>
+          </a:solidFill>
+        </p:spPr>
+        <p:style>
+          <a:lnRef idx="2">
+            <a:schemeClr val="accent1">
+              <a:shade val="50000"/>
+            </a:schemeClr>
+          </a:lnRef>
+          <a:fillRef idx="1">
+            <a:schemeClr val="accent1"/>
+          </a:fillRef>
+          <a:effectRef idx="0">
+            <a:schemeClr val="accent1"/>
+          </a:effectRef>
+          <a:fontRef idx="minor">
+            <a:schemeClr val="lt1"/>
+          </a:fontRef>
+        </p:style>
+        <p:txBody>
+          <a:bodyPr rtlCol="0" anchor="ctr"/>
+          <a:lstStyle/>
+          <a:p>
+            <a:pPr algn="ctr"/>
+            <a:r>
+              <a:rPr lang="en-US" dirty="0" err="1" smtClean="0">
+                <a:solidFill>
+                  <a:schemeClr val="tx1"/>
+                </a:solidFill>
+              </a:rPr>
+              <a:t>MapAroundCellMap</a:t>
+            </a:r>
+            <a:endParaRPr lang="ru-RU" dirty="0">
+              <a:solidFill>
+                <a:schemeClr val="tx1"/>
+              </a:solidFill>
+            </a:endParaRPr>
+          </a:p>
+        </p:txBody>
+      </p:sp>
+      <p:sp>
+        <p:nvSpPr>
+          <p:cNvPr id="14" name="Скругленный прямоугольник 13"/>
+          <p:cNvSpPr/>
+          <p:nvPr/>
+        </p:nvSpPr>
+        <p:spPr>
+          <a:xfrm>
+            <a:off x="3607875" y="3254726"/>
+            <a:ext cx="5469450" cy="1521272"/>
+          </a:xfrm>
+          <a:prstGeom prst="roundRect">
+            <a:avLst/>
+          </a:prstGeom>
+          <a:solidFill>
+            <a:srgbClr val="D5E8D4"/>
+          </a:solidFill>
+        </p:spPr>
+        <p:style>
+          <a:lnRef idx="2">
+            <a:schemeClr val="accent1">
+              <a:shade val="50000"/>
+            </a:schemeClr>
+          </a:lnRef>
+          <a:fillRef idx="1">
+            <a:schemeClr val="accent1"/>
+          </a:fillRef>
+          <a:effectRef idx="0">
+            <a:schemeClr val="accent1"/>
+          </a:effectRef>
+          <a:fontRef idx="minor">
+            <a:schemeClr val="lt1"/>
+          </a:fontRef>
+        </p:style>
+        <p:txBody>
+          <a:bodyPr rtlCol="0" anchor="ctr"/>
+          <a:lstStyle/>
+          <a:p>
+            <a:pPr algn="ctr"/>
+            <a:endParaRPr lang="ru-RU" b="1" dirty="0">
+              <a:solidFill>
+                <a:schemeClr val="tx1"/>
+              </a:solidFill>
+            </a:endParaRPr>
+          </a:p>
+        </p:txBody>
+      </p:sp>
+      <p:sp>
+        <p:nvSpPr>
+          <p:cNvPr id="15" name="TextBox 14"/>
+          <p:cNvSpPr txBox="1"/>
+          <p:nvPr/>
+        </p:nvSpPr>
+        <p:spPr>
+          <a:xfrm>
+            <a:off x="5466107" y="3301631"/>
+            <a:ext cx="1700017" cy="369332"/>
+          </a:xfrm>
+          <a:prstGeom prst="rect">
+            <a:avLst/>
+          </a:prstGeom>
+          <a:noFill/>
+        </p:spPr>
+        <p:txBody>
+          <a:bodyPr wrap="square" rtlCol="0">
+            <a:spAutoFit/>
+          </a:bodyPr>
+          <a:lstStyle/>
+          <a:p>
+            <a:pPr algn="ctr"/>
+            <a:r>
+              <a:rPr lang="en-US" b="1" dirty="0" err="1" smtClean="0"/>
+              <a:t>ICellPathFinder</a:t>
+            </a:r>
+            <a:endParaRPr lang="ru-RU" b="1" dirty="0"/>
+          </a:p>
+        </p:txBody>
+      </p:sp>
+      <p:sp>
+        <p:nvSpPr>
+          <p:cNvPr id="16" name="Скругленный прямоугольник 15"/>
+          <p:cNvSpPr/>
+          <p:nvPr/>
+        </p:nvSpPr>
+        <p:spPr>
+          <a:xfrm>
+            <a:off x="4023696" y="3820308"/>
+            <a:ext cx="4637806" cy="738948"/>
+          </a:xfrm>
+          <a:prstGeom prst="roundRect">
+            <a:avLst/>
+          </a:prstGeom>
+          <a:solidFill>
+            <a:srgbClr val="DAE8FC"/>
+          </a:solidFill>
+        </p:spPr>
+        <p:style>
+          <a:lnRef idx="2">
+            <a:schemeClr val="accent1">
+              <a:shade val="50000"/>
+            </a:schemeClr>
+          </a:lnRef>
+          <a:fillRef idx="1">
+            <a:schemeClr val="accent1"/>
+          </a:fillRef>
+          <a:effectRef idx="0">
+            <a:schemeClr val="accent1"/>
+          </a:effectRef>
+          <a:fontRef idx="minor">
+            <a:schemeClr val="lt1"/>
+          </a:fontRef>
+        </p:style>
+        <p:txBody>
+          <a:bodyPr rtlCol="0" anchor="ctr"/>
+          <a:lstStyle/>
+          <a:p>
+            <a:pPr algn="ctr"/>
+            <a:endParaRPr lang="ru-RU" sz="1500" dirty="0">
+              <a:solidFill>
+                <a:schemeClr val="tx1"/>
+              </a:solidFill>
+            </a:endParaRPr>
+          </a:p>
+        </p:txBody>
+      </p:sp>
+      <p:sp>
+        <p:nvSpPr>
+          <p:cNvPr id="17" name="TextBox 16"/>
+          <p:cNvSpPr txBox="1"/>
+          <p:nvPr/>
+        </p:nvSpPr>
+        <p:spPr>
+          <a:xfrm>
+            <a:off x="5371081" y="4015362"/>
+            <a:ext cx="1890067" cy="369332"/>
+          </a:xfrm>
+          <a:prstGeom prst="rect">
+            <a:avLst/>
+          </a:prstGeom>
+          <a:noFill/>
+        </p:spPr>
+        <p:txBody>
+          <a:bodyPr wrap="square" rtlCol="0">
+            <a:spAutoFit/>
+          </a:bodyPr>
+          <a:lstStyle/>
+          <a:p>
+            <a:pPr algn="ctr"/>
+            <a:r>
+              <a:rPr lang="en-US" dirty="0" err="1" smtClean="0"/>
+              <a:t>HPAStarAlgorithm</a:t>
+            </a:r>
+            <a:endParaRPr lang="ru-RU" dirty="0"/>
+          </a:p>
+        </p:txBody>
+      </p:sp>
+      <p:sp>
+        <p:nvSpPr>
+          <p:cNvPr id="18" name="Скругленный прямоугольник 17"/>
+          <p:cNvSpPr/>
+          <p:nvPr/>
+        </p:nvSpPr>
+        <p:spPr>
+          <a:xfrm>
+            <a:off x="3607875" y="5074689"/>
+            <a:ext cx="5469450" cy="1207345"/>
+          </a:xfrm>
+          <a:prstGeom prst="roundRect">
+            <a:avLst/>
+          </a:prstGeom>
+          <a:solidFill>
+            <a:srgbClr val="D5E8D4"/>
+          </a:solidFill>
+        </p:spPr>
+        <p:style>
+          <a:lnRef idx="2">
+            <a:schemeClr val="accent1">
+              <a:shade val="50000"/>
+            </a:schemeClr>
+          </a:lnRef>
+          <a:fillRef idx="1">
+            <a:schemeClr val="accent1"/>
+          </a:fillRef>
+          <a:effectRef idx="0">
+            <a:schemeClr val="accent1"/>
+          </a:effectRef>
+          <a:fontRef idx="minor">
+            <a:schemeClr val="lt1"/>
+          </a:fontRef>
+        </p:style>
+        <p:txBody>
+          <a:bodyPr rtlCol="0" anchor="ctr"/>
+          <a:lstStyle/>
+          <a:p>
+            <a:pPr algn="ctr"/>
+            <a:endParaRPr lang="ru-RU" b="1" dirty="0">
+              <a:solidFill>
+                <a:schemeClr val="tx1"/>
+              </a:solidFill>
+            </a:endParaRPr>
+          </a:p>
+        </p:txBody>
+      </p:sp>
+      <p:sp>
+        <p:nvSpPr>
+          <p:cNvPr id="19" name="TextBox 18"/>
+          <p:cNvSpPr txBox="1"/>
+          <p:nvPr/>
+        </p:nvSpPr>
+        <p:spPr>
+          <a:xfrm>
+            <a:off x="5434393" y="5198892"/>
+            <a:ext cx="1816409" cy="369332"/>
+          </a:xfrm>
+          <a:prstGeom prst="rect">
+            <a:avLst/>
+          </a:prstGeom>
+          <a:noFill/>
+        </p:spPr>
+        <p:txBody>
+          <a:bodyPr wrap="square" rtlCol="0">
+            <a:spAutoFit/>
+          </a:bodyPr>
+          <a:lstStyle/>
+          <a:p>
+            <a:r>
+              <a:rPr lang="en-US" b="1" dirty="0" err="1" smtClean="0"/>
+              <a:t>IList</a:t>
+            </a:r>
+            <a:r>
+              <a:rPr lang="en-US" b="1" dirty="0" smtClean="0"/>
+              <a:t>&lt;Vector2Int</a:t>
+            </a:r>
+            <a:r>
+              <a:rPr lang="en-US" sz="1500" b="1" dirty="0" smtClean="0"/>
+              <a:t>&gt;</a:t>
+            </a:r>
+            <a:endParaRPr lang="ru-RU" sz="1500" b="1" dirty="0"/>
+          </a:p>
+        </p:txBody>
+      </p:sp>
+      <p:sp>
+        <p:nvSpPr>
+          <p:cNvPr id="20" name="Скругленный прямоугольник 19"/>
+          <p:cNvSpPr/>
+          <p:nvPr/>
+        </p:nvSpPr>
+        <p:spPr>
+          <a:xfrm>
+            <a:off x="4023696" y="5646260"/>
+            <a:ext cx="4637806" cy="425918"/>
+          </a:xfrm>
+          <a:prstGeom prst="roundRect">
+            <a:avLst/>
+          </a:prstGeom>
+          <a:solidFill>
+            <a:srgbClr val="DAE8FC"/>
+          </a:solidFill>
+        </p:spPr>
+        <p:style>
+          <a:lnRef idx="2">
+            <a:schemeClr val="accent1">
+              <a:shade val="50000"/>
+            </a:schemeClr>
+          </a:lnRef>
+          <a:fillRef idx="1">
+            <a:schemeClr val="accent1"/>
+          </a:fillRef>
+          <a:effectRef idx="0">
+            <a:schemeClr val="accent1"/>
+          </a:effectRef>
+          <a:fontRef idx="minor">
+            <a:schemeClr val="lt1"/>
+          </a:fontRef>
+        </p:style>
+        <p:txBody>
+          <a:bodyPr rtlCol="0" anchor="ctr"/>
+          <a:lstStyle/>
+          <a:p>
+            <a:pPr algn="ctr"/>
+            <a:r>
+              <a:rPr lang="en-US" dirty="0" smtClean="0">
+                <a:solidFill>
+                  <a:schemeClr val="tx1"/>
+                </a:solidFill>
+              </a:rPr>
+              <a:t>List&lt;Vector2Int&gt;</a:t>
+            </a:r>
+            <a:endParaRPr lang="ru-RU" dirty="0">
+              <a:solidFill>
+                <a:schemeClr val="tx1"/>
+              </a:solidFill>
+            </a:endParaRPr>
           </a:p>
         </p:txBody>
       </p:sp>
     </p:spTree>
     <p:extLst>
       <p:ext uri="{BB962C8B-B14F-4D97-AF65-F5344CB8AC3E}">
-        <p14:creationId xmlns:p14="http://schemas.microsoft.com/office/powerpoint/2010/main" val="2323318059"/>
+        <p14:creationId xmlns:p14="http://schemas.microsoft.com/office/powerpoint/2010/main" val="4172480119"/>
       </p:ext>
     </p:extLst>
   </p:cSld>
   <p:clrMapOvr>
     <a:masterClrMapping/>
   </p:clrMapOvr>
+  <p:timing>
+    <p:tnLst>
+      <p:par>
+        <p:cTn id="1" dur="indefinite" restart="never" nodeType="tmRoot"/>
+      </p:par>
+    </p:tnLst>
+  </p:timing>
 </p:sld>
 </file>
 
@@ -3207,6 +3808,457 @@
             <p:ph type="title"/>
           </p:nvPr>
         </p:nvSpPr>
+        <p:spPr>
+          <a:xfrm>
+            <a:off x="0" y="-447803"/>
+            <a:ext cx="10515600" cy="1325563"/>
+          </a:xfrm>
+        </p:spPr>
+        <p:txBody>
+          <a:bodyPr/>
+          <a:lstStyle/>
+          <a:p>
+            <a:r>
+              <a:rPr lang="ru-RU" dirty="0" smtClean="0"/>
+              <a:t>Структура проекта</a:t>
+            </a:r>
+            <a:endParaRPr lang="ru-RU" dirty="0"/>
+          </a:p>
+        </p:txBody>
+      </p:sp>
+      <p:pic>
+        <p:nvPicPr>
+          <p:cNvPr id="2051" name="Picture 3" descr="Class Diagram"/>
+          <p:cNvPicPr>
+            <a:picLocks noChangeAspect="1" noChangeArrowheads="1"/>
+          </p:cNvPicPr>
+          <p:nvPr/>
+        </p:nvPicPr>
+        <p:blipFill>
+          <a:blip r:embed="rId2" cstate="print">
+            <a:extLst>
+              <a:ext uri="{28A0092B-C50C-407E-A947-70E740481C1C}">
+                <a14:useLocalDpi xmlns:a14="http://schemas.microsoft.com/office/drawing/2010/main" val="0"/>
+              </a:ext>
+            </a:extLst>
+          </a:blip>
+          <a:srcRect/>
+          <a:stretch>
+            <a:fillRect/>
+          </a:stretch>
+        </p:blipFill>
+        <p:spPr bwMode="auto">
+          <a:xfrm>
+            <a:off x="1913566" y="104775"/>
+            <a:ext cx="10278434" cy="6838950"/>
+          </a:xfrm>
+          <a:prstGeom prst="rect">
+            <a:avLst/>
+          </a:prstGeom>
+          <a:noFill/>
+          <a:ln>
+            <a:noFill/>
+          </a:ln>
+          <a:extLst>
+            <a:ext uri="{909E8E84-426E-40DD-AFC4-6F175D3DCCD1}">
+              <a14:hiddenFill xmlns:a14="http://schemas.microsoft.com/office/drawing/2010/main">
+                <a:solidFill>
+                  <a:srgbClr val="FFFFFF"/>
+                </a:solidFill>
+              </a14:hiddenFill>
+            </a:ext>
+            <a:ext uri="{91240B29-F687-4F45-9708-019B960494DF}">
+              <a14:hiddenLine xmlns:a14="http://schemas.microsoft.com/office/drawing/2010/main" w="9525">
+                <a:solidFill>
+                  <a:srgbClr val="000000"/>
+                </a:solidFill>
+                <a:miter lim="800000"/>
+                <a:headEnd/>
+                <a:tailEnd/>
+              </a14:hiddenLine>
+            </a:ext>
+          </a:extLst>
+        </p:spPr>
+      </p:pic>
+      <p:sp>
+        <p:nvSpPr>
+          <p:cNvPr id="7" name="TextBox 6"/>
+          <p:cNvSpPr txBox="1"/>
+          <p:nvPr/>
+        </p:nvSpPr>
+        <p:spPr>
+          <a:xfrm>
+            <a:off x="7617607" y="6396335"/>
+            <a:ext cx="4574393" cy="461665"/>
+          </a:xfrm>
+          <a:prstGeom prst="rect">
+            <a:avLst/>
+          </a:prstGeom>
+          <a:noFill/>
+        </p:spPr>
+        <p:txBody>
+          <a:bodyPr wrap="none" rtlCol="0">
+            <a:spAutoFit/>
+          </a:bodyPr>
+          <a:lstStyle/>
+          <a:p>
+            <a:pPr algn="ctr"/>
+            <a:r>
+              <a:rPr lang="ru-RU" sz="2400" b="1" dirty="0" smtClean="0"/>
+              <a:t>Упрощенная диаграмма классов</a:t>
+            </a:r>
+            <a:endParaRPr lang="ru-RU" sz="2400" dirty="0"/>
+          </a:p>
+        </p:txBody>
+      </p:sp>
+    </p:spTree>
+    <p:extLst>
+      <p:ext uri="{BB962C8B-B14F-4D97-AF65-F5344CB8AC3E}">
+        <p14:creationId xmlns:p14="http://schemas.microsoft.com/office/powerpoint/2010/main" val="1845012461"/>
+      </p:ext>
+    </p:extLst>
+  </p:cSld>
+  <p:clrMapOvr>
+    <a:masterClrMapping/>
+  </p:clrMapOvr>
+  <p:timing>
+    <p:tnLst>
+      <p:par>
+        <p:cTn id="1" dur="indefinite" restart="never" nodeType="tmRoot"/>
+      </p:par>
+    </p:tnLst>
+  </p:timing>
+</p:sld>
+</file>
+
+<file path=ppt/slides/slide12.xml><?xml version="1.0" encoding="utf-8"?>
+<p:sld xmlns:a="http://schemas.openxmlformats.org/drawingml/2006/main" xmlns:r="http://schemas.openxmlformats.org/officeDocument/2006/relationships" xmlns:p="http://schemas.openxmlformats.org/presentationml/2006/main">
+  <p:cSld>
+    <p:spTree>
+      <p:nvGrpSpPr>
+        <p:cNvPr id="1" name=""/>
+        <p:cNvGrpSpPr/>
+        <p:nvPr/>
+      </p:nvGrpSpPr>
+      <p:grpSpPr>
+        <a:xfrm>
+          <a:off x="0" y="0"/>
+          <a:ext cx="0" cy="0"/>
+          <a:chOff x="0" y="0"/>
+          <a:chExt cx="0" cy="0"/>
+        </a:xfrm>
+      </p:grpSpPr>
+      <p:sp>
+        <p:nvSpPr>
+          <p:cNvPr id="2" name="Заголовок 1"/>
+          <p:cNvSpPr>
+            <a:spLocks noGrp="1"/>
+          </p:cNvSpPr>
+          <p:nvPr>
+            <p:ph type="title"/>
+          </p:nvPr>
+        </p:nvSpPr>
+        <p:spPr/>
+        <p:txBody>
+          <a:bodyPr/>
+          <a:lstStyle/>
+          <a:p>
+            <a:r>
+              <a:rPr lang="ru-RU" dirty="0" smtClean="0"/>
+              <a:t>Поиск пути</a:t>
+            </a:r>
+            <a:endParaRPr lang="ru-RU" dirty="0"/>
+          </a:p>
+        </p:txBody>
+      </p:sp>
+      <p:sp>
+        <p:nvSpPr>
+          <p:cNvPr id="9" name="TextBox 8"/>
+          <p:cNvSpPr txBox="1"/>
+          <p:nvPr/>
+        </p:nvSpPr>
+        <p:spPr>
+          <a:xfrm>
+            <a:off x="3341903" y="4620203"/>
+            <a:ext cx="5727915" cy="461665"/>
+          </a:xfrm>
+          <a:prstGeom prst="rect">
+            <a:avLst/>
+          </a:prstGeom>
+          <a:noFill/>
+        </p:spPr>
+        <p:txBody>
+          <a:bodyPr wrap="none" rtlCol="0">
+            <a:spAutoFit/>
+          </a:bodyPr>
+          <a:lstStyle/>
+          <a:p>
+            <a:pPr algn="ctr"/>
+            <a:r>
+              <a:rPr lang="ru-RU" sz="2400" b="1" dirty="0" smtClean="0"/>
+              <a:t>Поиск пути с указанием опасного участка</a:t>
+            </a:r>
+            <a:endParaRPr lang="ru-RU" sz="2400" dirty="0"/>
+          </a:p>
+        </p:txBody>
+      </p:sp>
+      <p:pic>
+        <p:nvPicPr>
+          <p:cNvPr id="5" name="Рисунок 4"/>
+          <p:cNvPicPr>
+            <a:picLocks noChangeAspect="1"/>
+          </p:cNvPicPr>
+          <p:nvPr/>
+        </p:nvPicPr>
+        <p:blipFill>
+          <a:blip r:embed="rId2"/>
+          <a:stretch>
+            <a:fillRect/>
+          </a:stretch>
+        </p:blipFill>
+        <p:spPr>
+          <a:xfrm>
+            <a:off x="478263" y="1690687"/>
+            <a:ext cx="5580706" cy="2929517"/>
+          </a:xfrm>
+          <a:prstGeom prst="rect">
+            <a:avLst/>
+          </a:prstGeom>
+        </p:spPr>
+      </p:pic>
+      <p:pic>
+        <p:nvPicPr>
+          <p:cNvPr id="6" name="Рисунок 5"/>
+          <p:cNvPicPr>
+            <a:picLocks noChangeAspect="1"/>
+          </p:cNvPicPr>
+          <p:nvPr/>
+        </p:nvPicPr>
+        <p:blipFill>
+          <a:blip r:embed="rId3"/>
+          <a:stretch>
+            <a:fillRect/>
+          </a:stretch>
+        </p:blipFill>
+        <p:spPr>
+          <a:xfrm>
+            <a:off x="6352751" y="1690686"/>
+            <a:ext cx="5580706" cy="2929517"/>
+          </a:xfrm>
+          <a:prstGeom prst="rect">
+            <a:avLst/>
+          </a:prstGeom>
+        </p:spPr>
+      </p:pic>
+    </p:spTree>
+    <p:extLst>
+      <p:ext uri="{BB962C8B-B14F-4D97-AF65-F5344CB8AC3E}">
+        <p14:creationId xmlns:p14="http://schemas.microsoft.com/office/powerpoint/2010/main" val="2323318059"/>
+      </p:ext>
+    </p:extLst>
+  </p:cSld>
+  <p:clrMapOvr>
+    <a:masterClrMapping/>
+  </p:clrMapOvr>
+</p:sld>
+</file>
+
+<file path=ppt/slides/slide13.xml><?xml version="1.0" encoding="utf-8"?>
+<p:sld xmlns:a="http://schemas.openxmlformats.org/drawingml/2006/main" xmlns:r="http://schemas.openxmlformats.org/officeDocument/2006/relationships" xmlns:p="http://schemas.openxmlformats.org/presentationml/2006/main">
+  <p:cSld>
+    <p:spTree>
+      <p:nvGrpSpPr>
+        <p:cNvPr id="1" name=""/>
+        <p:cNvGrpSpPr/>
+        <p:nvPr/>
+      </p:nvGrpSpPr>
+      <p:grpSpPr>
+        <a:xfrm>
+          <a:off x="0" y="0"/>
+          <a:ext cx="0" cy="0"/>
+          <a:chOff x="0" y="0"/>
+          <a:chExt cx="0" cy="0"/>
+        </a:xfrm>
+      </p:grpSpPr>
+      <p:sp>
+        <p:nvSpPr>
+          <p:cNvPr id="2" name="Заголовок 1"/>
+          <p:cNvSpPr>
+            <a:spLocks noGrp="1"/>
+          </p:cNvSpPr>
+          <p:nvPr>
+            <p:ph type="title"/>
+          </p:nvPr>
+        </p:nvSpPr>
+        <p:spPr>
+          <a:xfrm>
+            <a:off x="0" y="-368985"/>
+            <a:ext cx="10515600" cy="1325563"/>
+          </a:xfrm>
+        </p:spPr>
+        <p:txBody>
+          <a:bodyPr/>
+          <a:lstStyle/>
+          <a:p>
+            <a:r>
+              <a:rPr lang="ru-RU" dirty="0" smtClean="0"/>
+              <a:t>Эксперимент</a:t>
+            </a:r>
+            <a:endParaRPr lang="ru-RU" dirty="0"/>
+          </a:p>
+        </p:txBody>
+      </p:sp>
+      <p:pic>
+        <p:nvPicPr>
+          <p:cNvPr id="4" name="Рисунок 3"/>
+          <p:cNvPicPr/>
+          <p:nvPr/>
+        </p:nvPicPr>
+        <p:blipFill>
+          <a:blip r:embed="rId2"/>
+          <a:stretch>
+            <a:fillRect/>
+          </a:stretch>
+        </p:blipFill>
+        <p:spPr>
+          <a:xfrm>
+            <a:off x="266700" y="604153"/>
+            <a:ext cx="8086725" cy="2931931"/>
+          </a:xfrm>
+          <a:prstGeom prst="rect">
+            <a:avLst/>
+          </a:prstGeom>
+        </p:spPr>
+      </p:pic>
+      <p:pic>
+        <p:nvPicPr>
+          <p:cNvPr id="5" name="Рисунок 4"/>
+          <p:cNvPicPr/>
+          <p:nvPr/>
+        </p:nvPicPr>
+        <p:blipFill>
+          <a:blip r:embed="rId3"/>
+          <a:stretch>
+            <a:fillRect/>
+          </a:stretch>
+        </p:blipFill>
+        <p:spPr>
+          <a:xfrm>
+            <a:off x="266700" y="3709303"/>
+            <a:ext cx="8086725" cy="2931931"/>
+          </a:xfrm>
+          <a:prstGeom prst="rect">
+            <a:avLst/>
+          </a:prstGeom>
+        </p:spPr>
+      </p:pic>
+      <p:sp>
+        <p:nvSpPr>
+          <p:cNvPr id="6" name="TextBox 5"/>
+          <p:cNvSpPr txBox="1"/>
+          <p:nvPr/>
+        </p:nvSpPr>
+        <p:spPr>
+          <a:xfrm>
+            <a:off x="8353425" y="1885452"/>
+            <a:ext cx="2921249" cy="461665"/>
+          </a:xfrm>
+          <a:prstGeom prst="rect">
+            <a:avLst/>
+          </a:prstGeom>
+          <a:noFill/>
+        </p:spPr>
+        <p:txBody>
+          <a:bodyPr wrap="none" rtlCol="0">
+            <a:spAutoFit/>
+          </a:bodyPr>
+          <a:lstStyle/>
+          <a:p>
+            <a:r>
+              <a:rPr lang="ru-RU" sz="2400" dirty="0" smtClean="0"/>
+              <a:t>Ситуация «ловушки»</a:t>
+            </a:r>
+            <a:endParaRPr lang="ru-RU" sz="2400" dirty="0"/>
+          </a:p>
+        </p:txBody>
+      </p:sp>
+      <p:sp>
+        <p:nvSpPr>
+          <p:cNvPr id="7" name="Прямоугольник 6"/>
+          <p:cNvSpPr/>
+          <p:nvPr/>
+        </p:nvSpPr>
+        <p:spPr>
+          <a:xfrm>
+            <a:off x="8353425" y="4759769"/>
+            <a:ext cx="3313984" cy="830997"/>
+          </a:xfrm>
+          <a:prstGeom prst="rect">
+            <a:avLst/>
+          </a:prstGeom>
+        </p:spPr>
+        <p:txBody>
+          <a:bodyPr wrap="none">
+            <a:spAutoFit/>
+          </a:bodyPr>
+          <a:lstStyle/>
+          <a:p>
+            <a:pPr algn="ctr"/>
+            <a:r>
+              <a:rPr lang="ru-RU" sz="2400" dirty="0" smtClean="0"/>
+              <a:t>Использование </a:t>
+            </a:r>
+          </a:p>
+          <a:p>
+            <a:pPr algn="ctr"/>
+            <a:r>
+              <a:rPr lang="ru-RU" sz="2400" dirty="0" smtClean="0"/>
+              <a:t>эвристической функции</a:t>
+            </a:r>
+            <a:endParaRPr lang="ru-RU" sz="2400" dirty="0"/>
+          </a:p>
+        </p:txBody>
+      </p:sp>
+    </p:spTree>
+    <p:extLst>
+      <p:ext uri="{BB962C8B-B14F-4D97-AF65-F5344CB8AC3E}">
+        <p14:creationId xmlns:p14="http://schemas.microsoft.com/office/powerpoint/2010/main" val="1807990990"/>
+      </p:ext>
+    </p:extLst>
+  </p:cSld>
+  <p:clrMapOvr>
+    <a:masterClrMapping/>
+  </p:clrMapOvr>
+</p:sld>
+</file>
+
+<file path=ppt/slides/slide14.xml><?xml version="1.0" encoding="utf-8"?>
+<p:sld xmlns:a="http://schemas.openxmlformats.org/drawingml/2006/main" xmlns:r="http://schemas.openxmlformats.org/officeDocument/2006/relationships" xmlns:p="http://schemas.openxmlformats.org/presentationml/2006/main">
+  <p:cSld>
+    <p:spTree>
+      <p:nvGrpSpPr>
+        <p:cNvPr id="1" name=""/>
+        <p:cNvGrpSpPr/>
+        <p:nvPr/>
+      </p:nvGrpSpPr>
+      <p:grpSpPr>
+        <a:xfrm>
+          <a:off x="0" y="0"/>
+          <a:ext cx="0" cy="0"/>
+          <a:chOff x="0" y="0"/>
+          <a:chExt cx="0" cy="0"/>
+        </a:xfrm>
+      </p:grpSpPr>
+      <p:sp>
+        <p:nvSpPr>
+          <p:cNvPr id="2" name="Заголовок 1"/>
+          <p:cNvSpPr>
+            <a:spLocks noGrp="1"/>
+          </p:cNvSpPr>
+          <p:nvPr>
+            <p:ph type="title"/>
+          </p:nvPr>
+        </p:nvSpPr>
         <p:spPr/>
         <p:txBody>
           <a:bodyPr/>
@@ -3228,8 +4280,8 @@
         </p:nvSpPr>
         <p:spPr>
           <a:xfrm>
-            <a:off x="838201" y="1690688"/>
-            <a:ext cx="11353800" cy="5078313"/>
+            <a:off x="838200" y="1281113"/>
+            <a:ext cx="11353800" cy="3416320"/>
           </a:xfrm>
           <a:prstGeom prst="rect">
             <a:avLst/>
@@ -3250,6 +4302,67 @@
             <a:r>
               <a:rPr lang="ru-RU" sz="2400" b="1" dirty="0" smtClean="0"/>
               <a:t>Выводы</a:t>
+            </a:r>
+            <a:endParaRPr lang="ru-RU" sz="2400" b="1" dirty="0" smtClean="0"/>
+          </a:p>
+          <a:p>
+            <a:pPr marL="342900" lvl="0" indent="-342900">
+              <a:lnSpc>
+                <a:spcPct val="150000"/>
+              </a:lnSpc>
+              <a:buFont typeface="Arial" panose="020B0604020202020204" pitchFamily="34" charset="0"/>
+              <a:buChar char="•"/>
+            </a:pPr>
+            <a:r>
+              <a:rPr lang="ru-RU" sz="2400" dirty="0" smtClean="0">
+                <a:latin typeface="Times New Roman" panose="02020603050405020304" pitchFamily="18" charset="0"/>
+                <a:cs typeface="Times New Roman" panose="02020603050405020304" pitchFamily="18" charset="0"/>
+              </a:rPr>
+              <a:t>Выполнен </a:t>
+            </a:r>
+            <a:r>
+              <a:rPr lang="ru-RU" sz="2400" dirty="0">
+                <a:latin typeface="Times New Roman" panose="02020603050405020304" pitchFamily="18" charset="0"/>
+                <a:cs typeface="Times New Roman" panose="02020603050405020304" pitchFamily="18" charset="0"/>
+              </a:rPr>
+              <a:t>анализ существующих алгоритмов поиска кратчайшего пути и </a:t>
+            </a:r>
+            <a:r>
+              <a:rPr lang="ru-RU" sz="2400" dirty="0" smtClean="0">
+                <a:latin typeface="Times New Roman" panose="02020603050405020304" pitchFamily="18" charset="0"/>
+                <a:cs typeface="Times New Roman" panose="02020603050405020304" pitchFamily="18" charset="0"/>
+              </a:rPr>
+              <a:t>обоснован </a:t>
+            </a:r>
+            <a:r>
+              <a:rPr lang="ru-RU" sz="2400" dirty="0">
+                <a:latin typeface="Times New Roman" panose="02020603050405020304" pitchFamily="18" charset="0"/>
+                <a:cs typeface="Times New Roman" panose="02020603050405020304" pitchFamily="18" charset="0"/>
+              </a:rPr>
+              <a:t>выбор алгоритма для модификации;</a:t>
+            </a:r>
+          </a:p>
+          <a:p>
+            <a:pPr marL="342900" lvl="0" indent="-342900">
+              <a:lnSpc>
+                <a:spcPct val="150000"/>
+              </a:lnSpc>
+              <a:buFont typeface="Arial" panose="020B0604020202020204" pitchFamily="34" charset="0"/>
+              <a:buChar char="•"/>
+            </a:pPr>
+            <a:r>
+              <a:rPr lang="ru-RU" sz="2400" dirty="0" smtClean="0">
+                <a:latin typeface="Times New Roman" panose="02020603050405020304" pitchFamily="18" charset="0"/>
+                <a:cs typeface="Times New Roman" panose="02020603050405020304" pitchFamily="18" charset="0"/>
+              </a:rPr>
+              <a:t>Проведена модификация </a:t>
+            </a:r>
+            <a:r>
+              <a:rPr lang="ru-RU" sz="2400" dirty="0">
+                <a:latin typeface="Times New Roman" panose="02020603050405020304" pitchFamily="18" charset="0"/>
+                <a:cs typeface="Times New Roman" panose="02020603050405020304" pitchFamily="18" charset="0"/>
+              </a:rPr>
+              <a:t>выбранного алгоритма для решения проблемы;</a:t>
             </a:r>
           </a:p>
           <a:p>
@@ -3261,12 +4374,33 @@
               <a:buChar char="•"/>
             </a:pPr>
             <a:r>
-              <a:rPr lang="ru-RU" sz="2400" dirty="0" smtClean="0"/>
-              <a:t>Нет идеального средства решения проблем поиска пути</a:t>
-            </a:r>
-          </a:p>
-          <a:p>
-            <a:pPr marL="342900" indent="-342900">
+              <a:rPr lang="ru-RU" sz="2400" dirty="0" smtClean="0">
+                <a:latin typeface="Times New Roman" panose="02020603050405020304" pitchFamily="18" charset="0"/>
+                <a:cs typeface="Times New Roman" panose="02020603050405020304" pitchFamily="18" charset="0"/>
+              </a:rPr>
+              <a:t>Выбрано </a:t>
+            </a:r>
+            <a:r>
+              <a:rPr lang="ru-RU" sz="2400" dirty="0">
+                <a:latin typeface="Times New Roman" panose="02020603050405020304" pitchFamily="18" charset="0"/>
+                <a:cs typeface="Times New Roman" panose="02020603050405020304" pitchFamily="18" charset="0"/>
+              </a:rPr>
+              <a:t>средство отображения картографических данных</a:t>
+            </a:r>
+            <a:r>
+              <a:rPr lang="en-US" sz="2400" dirty="0">
+                <a:latin typeface="Times New Roman" panose="02020603050405020304" pitchFamily="18" charset="0"/>
+                <a:cs typeface="Times New Roman" panose="02020603050405020304" pitchFamily="18" charset="0"/>
+              </a:rPr>
+              <a:t>;</a:t>
+            </a:r>
+            <a:endParaRPr lang="ru-RU" sz="2400" dirty="0">
+              <a:latin typeface="Times New Roman" panose="02020603050405020304" pitchFamily="18" charset="0"/>
+              <a:cs typeface="Times New Roman" panose="02020603050405020304" pitchFamily="18" charset="0"/>
+            </a:endParaRPr>
+          </a:p>
+          <a:p>
+            <a:pPr marL="342900" lvl="0" indent="-342900">
               <a:lnSpc>
                 <a:spcPct val="150000"/>
               </a:lnSpc>
@@ -3274,77 +4408,30 @@
               <a:buChar char="•"/>
             </a:pPr>
             <a:r>
-              <a:rPr lang="ru-RU" sz="2400" dirty="0" smtClean="0"/>
-              <a:t>Алгоритмы различаются по области применения</a:t>
-            </a:r>
-          </a:p>
-          <a:p>
-            <a:pPr marL="342900" indent="-342900">
-              <a:lnSpc>
-                <a:spcPct val="150000"/>
-              </a:lnSpc>
-              <a:buFont typeface="Arial" panose="020B0604020202020204" pitchFamily="34" charset="0"/>
-              <a:buChar char="•"/>
-            </a:pPr>
-            <a:r>
-              <a:rPr lang="ru-RU" sz="2400" dirty="0" smtClean="0"/>
-              <a:t>Проблема поиска пути актуальна для множества отраслей науки и промышленности</a:t>
-            </a:r>
-          </a:p>
-          <a:p>
-            <a:pPr>
-              <a:lnSpc>
-                <a:spcPct val="150000"/>
-              </a:lnSpc>
-            </a:pPr>
-            <a:r>
-              <a:rPr lang="ru-RU" sz="2400" b="1" dirty="0" smtClean="0"/>
-              <a:t>Развитие</a:t>
-            </a:r>
-          </a:p>
-          <a:p>
-            <a:pPr marL="342900" indent="-342900">
-              <a:lnSpc>
-                <a:spcPct val="150000"/>
-              </a:lnSpc>
-              <a:buFont typeface="Arial" panose="020B0604020202020204" pitchFamily="34" charset="0"/>
-              <a:buChar char="•"/>
-            </a:pPr>
-            <a:r>
-              <a:rPr lang="ru-RU" sz="2400" dirty="0" smtClean="0"/>
-              <a:t>Адаптация программы для использования графа дорог</a:t>
-            </a:r>
-          </a:p>
-          <a:p>
-            <a:pPr marL="342900" indent="-342900">
-              <a:lnSpc>
-                <a:spcPct val="150000"/>
-              </a:lnSpc>
-              <a:buFont typeface="Arial" panose="020B0604020202020204" pitchFamily="34" charset="0"/>
-              <a:buChar char="•"/>
-            </a:pPr>
-            <a:r>
-              <a:rPr lang="ru-RU" sz="2400" dirty="0" smtClean="0"/>
-              <a:t>Кэширование данных </a:t>
-            </a:r>
-            <a:r>
-              <a:rPr lang="en-US" sz="2400" dirty="0" smtClean="0"/>
-              <a:t>HPA*</a:t>
-            </a:r>
-          </a:p>
-          <a:p>
-            <a:pPr marL="342900" indent="-342900">
-              <a:lnSpc>
-                <a:spcPct val="150000"/>
-              </a:lnSpc>
-              <a:buFont typeface="Arial" panose="020B0604020202020204" pitchFamily="34" charset="0"/>
-              <a:buChar char="•"/>
-            </a:pPr>
-            <a:r>
-              <a:rPr lang="ru-RU" sz="2400" dirty="0" smtClean="0"/>
-              <a:t>Исследование других алгоритмов поиска кратчайшего пути</a:t>
-            </a:r>
-            <a:endParaRPr lang="ru-RU" sz="2400" dirty="0"/>
+              <a:rPr lang="ru-RU" sz="2400" dirty="0" smtClean="0">
+                <a:latin typeface="Times New Roman" panose="02020603050405020304" pitchFamily="18" charset="0"/>
+                <a:cs typeface="Times New Roman" panose="02020603050405020304" pitchFamily="18" charset="0"/>
+              </a:rPr>
+              <a:t>Разработано </a:t>
+            </a:r>
+            <a:r>
+              <a:rPr lang="ru-RU" sz="2400" dirty="0">
+                <a:latin typeface="Times New Roman" panose="02020603050405020304" pitchFamily="18" charset="0"/>
+                <a:cs typeface="Times New Roman" panose="02020603050405020304" pitchFamily="18" charset="0"/>
+              </a:rPr>
+              <a:t>программное обеспечение на основе модифицированного алгоритма</a:t>
+            </a:r>
+            <a:r>
+              <a:rPr lang="en-US" sz="2400" dirty="0" smtClean="0">
+                <a:latin typeface="Times New Roman" panose="02020603050405020304" pitchFamily="18" charset="0"/>
+                <a:cs typeface="Times New Roman" panose="02020603050405020304" pitchFamily="18" charset="0"/>
+              </a:rPr>
+              <a:t>.</a:t>
+            </a:r>
+            <a:endParaRPr lang="ru-RU" sz="2400" dirty="0">
+              <a:latin typeface="Times New Roman" panose="02020603050405020304" pitchFamily="18" charset="0"/>
+              <a:cs typeface="Times New Roman" panose="02020603050405020304" pitchFamily="18" charset="0"/>
+            </a:endParaRPr>
           </a:p>
         </p:txBody>
       </p:sp>
@@ -3555,6 +4642,13 @@
   <p:clrMapOvr>
     <a:masterClrMapping/>
   </p:clrMapOvr>
+  <p:timing>
+    <p:tnLst>
+      <p:par>
+        <p:cTn id="1" dur="indefinite" restart="never" nodeType="tmRoot"/>
+      </p:par>
+    </p:tnLst>
+  </p:timing>
 </p:sld>
 </file>
 
@@ -3653,7 +4747,7 @@
         <p:spPr>
           <a:xfrm>
             <a:off x="838200" y="3445014"/>
-            <a:ext cx="11353800" cy="2795958"/>
+            <a:ext cx="11353800" cy="3416320"/>
           </a:xfrm>
           <a:prstGeom prst="rect">
             <a:avLst/>
@@ -3702,15 +4796,33 @@
                 <a:latin typeface="Times New Roman" panose="02020603050405020304" pitchFamily="18" charset="0"/>
                 <a:cs typeface="Times New Roman" panose="02020603050405020304" pitchFamily="18" charset="0"/>
               </a:rPr>
-              <a:t>исследовательская </a:t>
+              <a:t>Выполнить </a:t>
+            </a:r>
+            <a:r>
+              <a:rPr lang="ru-RU" sz="2400" dirty="0" smtClean="0">
+                <a:latin typeface="Times New Roman" panose="02020603050405020304" pitchFamily="18" charset="0"/>
+                <a:cs typeface="Times New Roman" panose="02020603050405020304" pitchFamily="18" charset="0"/>
+              </a:rPr>
+              <a:t>анализ существующих алгоритмов </a:t>
             </a:r>
             <a:r>
               <a:rPr lang="ru-RU" sz="2400" dirty="0">
                 <a:latin typeface="Times New Roman" panose="02020603050405020304" pitchFamily="18" charset="0"/>
                 <a:cs typeface="Times New Roman" panose="02020603050405020304" pitchFamily="18" charset="0"/>
               </a:rPr>
-              <a:t>(выбор существующего алгоритма поиска кратчайшего пути);</a:t>
-            </a:r>
+              <a:t>поиска кратчайшего </a:t>
+            </a:r>
+            <a:r>
+              <a:rPr lang="ru-RU" sz="2400" dirty="0" smtClean="0">
+                <a:latin typeface="Times New Roman" panose="02020603050405020304" pitchFamily="18" charset="0"/>
+                <a:cs typeface="Times New Roman" panose="02020603050405020304" pitchFamily="18" charset="0"/>
+              </a:rPr>
+              <a:t>пути и обосновать выбор алгоритма для модификации;</a:t>
+            </a:r>
+            <a:endParaRPr lang="ru-RU" sz="2400" dirty="0">
+              <a:latin typeface="Times New Roman" panose="02020603050405020304" pitchFamily="18" charset="0"/>
+              <a:cs typeface="Times New Roman" panose="02020603050405020304" pitchFamily="18" charset="0"/>
+            </a:endParaRPr>
           </a:p>
           <a:p>
             <a:pPr marL="342900" lvl="0" indent="-342900">
@@ -3721,12 +4833,74 @@
               <a:buChar char="•"/>
             </a:pPr>
             <a:r>
+              <a:rPr lang="ru-RU" sz="2400" dirty="0" smtClean="0">
+                <a:latin typeface="Times New Roman" panose="02020603050405020304" pitchFamily="18" charset="0"/>
+                <a:cs typeface="Times New Roman" panose="02020603050405020304" pitchFamily="18" charset="0"/>
+              </a:rPr>
+              <a:t>Провести </a:t>
+            </a:r>
+            <a:r>
+              <a:rPr lang="ru-RU" sz="2400" dirty="0" smtClean="0">
+                <a:latin typeface="Times New Roman" panose="02020603050405020304" pitchFamily="18" charset="0"/>
+                <a:cs typeface="Times New Roman" panose="02020603050405020304" pitchFamily="18" charset="0"/>
+              </a:rPr>
+              <a:t>модификацию </a:t>
+            </a:r>
+            <a:r>
               <a:rPr lang="ru-RU" sz="2400" dirty="0">
                 <a:latin typeface="Times New Roman" panose="02020603050405020304" pitchFamily="18" charset="0"/>
                 <a:cs typeface="Times New Roman" panose="02020603050405020304" pitchFamily="18" charset="0"/>
               </a:rPr>
-              <a:t>конструкторская (модификация выбранного алгоритма для решения проблемы);</a:t>
-            </a:r>
+              <a:t>выбранного алгоритма для решения </a:t>
+            </a:r>
+            <a:r>
+              <a:rPr lang="ru-RU" sz="2400" dirty="0" smtClean="0">
+                <a:latin typeface="Times New Roman" panose="02020603050405020304" pitchFamily="18" charset="0"/>
+                <a:cs typeface="Times New Roman" panose="02020603050405020304" pitchFamily="18" charset="0"/>
+              </a:rPr>
+              <a:t>проблемы;</a:t>
+            </a:r>
+          </a:p>
+          <a:p>
+            <a:pPr marL="342900" indent="-342900">
+              <a:lnSpc>
+                <a:spcPct val="150000"/>
+              </a:lnSpc>
+              <a:buFont typeface="Arial" panose="020B0604020202020204" pitchFamily="34" charset="0"/>
+              <a:buChar char="•"/>
+            </a:pPr>
+            <a:r>
+              <a:rPr lang="ru-RU" sz="2400" dirty="0" smtClean="0">
+                <a:latin typeface="Times New Roman" panose="02020603050405020304" pitchFamily="18" charset="0"/>
+                <a:cs typeface="Times New Roman" panose="02020603050405020304" pitchFamily="18" charset="0"/>
+              </a:rPr>
+              <a:t>Выбрать средство </a:t>
+            </a:r>
+            <a:r>
+              <a:rPr lang="ru-RU" sz="2400" dirty="0">
+                <a:latin typeface="Times New Roman" panose="02020603050405020304" pitchFamily="18" charset="0"/>
+                <a:cs typeface="Times New Roman" panose="02020603050405020304" pitchFamily="18" charset="0"/>
+              </a:rPr>
+              <a:t>отображения картографических </a:t>
+            </a:r>
+            <a:r>
+              <a:rPr lang="ru-RU" sz="2400" dirty="0" smtClean="0">
+                <a:latin typeface="Times New Roman" panose="02020603050405020304" pitchFamily="18" charset="0"/>
+                <a:cs typeface="Times New Roman" panose="02020603050405020304" pitchFamily="18" charset="0"/>
+              </a:rPr>
+              <a:t>данных</a:t>
+            </a:r>
+            <a:r>
+              <a:rPr lang="en-US" sz="2400" dirty="0" smtClean="0">
+                <a:latin typeface="Times New Roman" panose="02020603050405020304" pitchFamily="18" charset="0"/>
+                <a:cs typeface="Times New Roman" panose="02020603050405020304" pitchFamily="18" charset="0"/>
+              </a:rPr>
+              <a:t>;</a:t>
+            </a:r>
+            <a:endParaRPr lang="ru-RU" sz="2400" dirty="0" smtClean="0">
+              <a:latin typeface="Times New Roman" panose="02020603050405020304" pitchFamily="18" charset="0"/>
+              <a:cs typeface="Times New Roman" panose="02020603050405020304" pitchFamily="18" charset="0"/>
+            </a:endParaRPr>
           </a:p>
           <a:p>
             <a:pPr marL="342900" lvl="0" indent="-342900">
@@ -3737,12 +4911,37 @@
               <a:buChar char="•"/>
             </a:pPr>
             <a:r>
-              <a:rPr lang="ru-RU" sz="2400" dirty="0">
+              <a:rPr lang="ru-RU" sz="2400" dirty="0" smtClean="0">
                 <a:latin typeface="Times New Roman" panose="02020603050405020304" pitchFamily="18" charset="0"/>
                 <a:cs typeface="Times New Roman" panose="02020603050405020304" pitchFamily="18" charset="0"/>
               </a:rPr>
-              <a:t>технологическая (выбор средства отображения картографических данных, выбор среды и языка программирования, описание основных моментов разработки).</a:t>
-            </a:r>
+              <a:t>Разработать программное обеспечение </a:t>
+            </a:r>
+            <a:r>
+              <a:rPr lang="ru-RU" sz="2400" dirty="0" smtClean="0">
+                <a:latin typeface="Times New Roman" panose="02020603050405020304" pitchFamily="18" charset="0"/>
+                <a:cs typeface="Times New Roman" panose="02020603050405020304" pitchFamily="18" charset="0"/>
+              </a:rPr>
+              <a:t>на основе модифицированного </a:t>
+            </a:r>
+            <a:r>
+              <a:rPr lang="ru-RU" sz="2400" dirty="0" smtClean="0">
+                <a:latin typeface="Times New Roman" panose="02020603050405020304" pitchFamily="18" charset="0"/>
+                <a:cs typeface="Times New Roman" panose="02020603050405020304" pitchFamily="18" charset="0"/>
+              </a:rPr>
+              <a:t>алгоритма</a:t>
+            </a:r>
+            <a:r>
+              <a:rPr lang="en-US" sz="2400" dirty="0">
+                <a:latin typeface="Times New Roman" panose="02020603050405020304" pitchFamily="18" charset="0"/>
+                <a:cs typeface="Times New Roman" panose="02020603050405020304" pitchFamily="18" charset="0"/>
+              </a:rPr>
+              <a:t>.</a:t>
+            </a:r>
+            <a:endParaRPr lang="ru-RU" sz="2400" dirty="0">
+              <a:latin typeface="Times New Roman" panose="02020603050405020304" pitchFamily="18" charset="0"/>
+              <a:cs typeface="Times New Roman" panose="02020603050405020304" pitchFamily="18" charset="0"/>
+            </a:endParaRPr>
           </a:p>
         </p:txBody>
       </p:sp>
@@ -3756,6 +4955,13 @@
   <p:clrMapOvr>
     <a:masterClrMapping/>
   </p:clrMapOvr>
+  <p:timing>
+    <p:tnLst>
+      <p:par>
+        <p:cTn id="1" dur="indefinite" restart="never" nodeType="tmRoot"/>
+      </p:par>
+    </p:tnLst>
+  </p:timing>
 </p:sld>
 </file>
 
@@ -3786,6 +4992,1791 @@
             <p:ph type="title"/>
           </p:nvPr>
         </p:nvSpPr>
+        <p:spPr>
+          <a:xfrm>
+            <a:off x="0" y="-2285"/>
+            <a:ext cx="10515600" cy="1325563"/>
+          </a:xfrm>
+        </p:spPr>
+        <p:txBody>
+          <a:bodyPr/>
+          <a:lstStyle/>
+          <a:p>
+            <a:r>
+              <a:rPr lang="ru-RU" dirty="0" smtClean="0"/>
+              <a:t>Таблица сравнения алгоритмов</a:t>
+            </a:r>
+            <a:endParaRPr lang="ru-RU" dirty="0"/>
+          </a:p>
+        </p:txBody>
+      </p:sp>
+      <p:graphicFrame>
+        <p:nvGraphicFramePr>
+          <p:cNvPr id="4" name="Таблица 3"/>
+          <p:cNvGraphicFramePr>
+            <a:graphicFrameLocks noGrp="1"/>
+          </p:cNvGraphicFramePr>
+          <p:nvPr>
+            <p:extLst>
+              <p:ext uri="{D42A27DB-BD31-4B8C-83A1-F6EECF244321}">
+                <p14:modId xmlns:p14="http://schemas.microsoft.com/office/powerpoint/2010/main" val="3689822802"/>
+              </p:ext>
+            </p:extLst>
+          </p:nvPr>
+        </p:nvGraphicFramePr>
+        <p:xfrm>
+          <a:off x="338258" y="952086"/>
+          <a:ext cx="5685104" cy="5090632"/>
+        </p:xfrm>
+        <a:graphic>
+          <a:graphicData uri="http://schemas.openxmlformats.org/drawingml/2006/table">
+            <a:tbl>
+              <a:tblPr firstRow="1" firstCol="1" bandRow="1">
+                <a:tableStyleId>{5C22544A-7EE6-4342-B048-85BDC9FD1C3A}</a:tableStyleId>
+              </a:tblPr>
+              <a:tblGrid>
+                <a:gridCol w="1328972"/>
+                <a:gridCol w="552095"/>
+                <a:gridCol w="960895"/>
+                <a:gridCol w="947714"/>
+                <a:gridCol w="947714"/>
+                <a:gridCol w="947714"/>
+              </a:tblGrid>
+              <a:tr h="388357">
+                <a:tc rowSpan="2">
+                  <a:txBody>
+                    <a:bodyPr/>
+                    <a:lstStyle/>
+                    <a:p>
+                      <a:pPr marL="0" indent="0" algn="l">
+                        <a:lnSpc>
+                          <a:spcPct val="150000"/>
+                        </a:lnSpc>
+                        <a:spcAft>
+                          <a:spcPts val="0"/>
+                        </a:spcAft>
+                      </a:pPr>
+                      <a:r>
+                        <a:rPr lang="ru-RU" sz="1600" dirty="0">
+                          <a:effectLst/>
+                        </a:rPr>
+                        <a:t>Алгоритм</a:t>
+                      </a:r>
+                      <a:endParaRPr lang="ru-RU" sz="1600" dirty="0">
+                        <a:effectLst/>
+                        <a:latin typeface="Times New Roman" panose="02020603050405020304" pitchFamily="18" charset="0"/>
+                        <a:ea typeface="Times New Roman" panose="02020603050405020304" pitchFamily="18" charset="0"/>
+                        <a:cs typeface="Times New Roman" panose="02020603050405020304" pitchFamily="18" charset="0"/>
+                      </a:endParaRPr>
+                    </a:p>
+                  </a:txBody>
+                  <a:tcPr marL="66602" marR="66602" marT="0" marB="0"/>
+                </a:tc>
+                <a:tc gridSpan="5">
+                  <a:txBody>
+                    <a:bodyPr/>
+                    <a:lstStyle/>
+                    <a:p>
+                      <a:pPr marL="0" indent="0" algn="l">
+                        <a:lnSpc>
+                          <a:spcPct val="150000"/>
+                        </a:lnSpc>
+                        <a:spcAft>
+                          <a:spcPts val="0"/>
+                        </a:spcAft>
+                      </a:pPr>
+                      <a:r>
+                        <a:rPr lang="ru-RU" sz="1600" dirty="0">
+                          <a:effectLst/>
+                        </a:rPr>
+                        <a:t>Размер дискретного рабочего пространства</a:t>
+                      </a:r>
+                      <a:endParaRPr lang="ru-RU" sz="1600" dirty="0">
+                        <a:effectLst/>
+                        <a:latin typeface="Times New Roman" panose="02020603050405020304" pitchFamily="18" charset="0"/>
+                        <a:ea typeface="Times New Roman" panose="02020603050405020304" pitchFamily="18" charset="0"/>
+                        <a:cs typeface="Times New Roman" panose="02020603050405020304" pitchFamily="18" charset="0"/>
+                      </a:endParaRPr>
+                    </a:p>
+                  </a:txBody>
+                  <a:tcPr marL="66602" marR="66602" marT="0" marB="0"/>
+                </a:tc>
+                <a:tc hMerge="1">
+                  <a:txBody>
+                    <a:bodyPr/>
+                    <a:lstStyle/>
+                    <a:p>
+                      <a:endParaRPr lang="ru-RU"/>
+                    </a:p>
+                  </a:txBody>
+                  <a:tcPr/>
+                </a:tc>
+                <a:tc hMerge="1">
+                  <a:txBody>
+                    <a:bodyPr/>
+                    <a:lstStyle/>
+                    <a:p>
+                      <a:endParaRPr lang="ru-RU"/>
+                    </a:p>
+                  </a:txBody>
+                  <a:tcPr/>
+                </a:tc>
+                <a:tc hMerge="1">
+                  <a:txBody>
+                    <a:bodyPr/>
+                    <a:lstStyle/>
+                    <a:p>
+                      <a:endParaRPr lang="ru-RU"/>
+                    </a:p>
+                  </a:txBody>
+                  <a:tcPr/>
+                </a:tc>
+                <a:tc hMerge="1">
+                  <a:txBody>
+                    <a:bodyPr/>
+                    <a:lstStyle/>
+                    <a:p>
+                      <a:endParaRPr lang="ru-RU"/>
+                    </a:p>
+                  </a:txBody>
+                  <a:tcPr/>
+                </a:tc>
+              </a:tr>
+              <a:tr h="664090">
+                <a:tc vMerge="1">
+                  <a:txBody>
+                    <a:bodyPr/>
+                    <a:lstStyle/>
+                    <a:p>
+                      <a:endParaRPr lang="ru-RU"/>
+                    </a:p>
+                  </a:txBody>
+                  <a:tcPr/>
+                </a:tc>
+                <a:tc>
+                  <a:txBody>
+                    <a:bodyPr/>
+                    <a:lstStyle/>
+                    <a:p>
+                      <a:pPr marL="0" indent="0" algn="l">
+                        <a:lnSpc>
+                          <a:spcPct val="150000"/>
+                        </a:lnSpc>
+                        <a:spcAft>
+                          <a:spcPts val="0"/>
+                        </a:spcAft>
+                      </a:pPr>
+                      <a:r>
+                        <a:rPr lang="ru-RU" sz="1600" b="1" dirty="0">
+                          <a:effectLst/>
+                        </a:rPr>
+                        <a:t>64 </a:t>
+                      </a:r>
+                      <a:r>
+                        <a:rPr lang="en-US" sz="1600" b="1" dirty="0">
+                          <a:effectLst/>
+                        </a:rPr>
+                        <a:t>x</a:t>
+                      </a:r>
+                      <a:r>
+                        <a:rPr lang="ru-RU" sz="1600" b="1" dirty="0">
+                          <a:effectLst/>
+                        </a:rPr>
+                        <a:t> 64</a:t>
+                      </a:r>
+                      <a:endParaRPr lang="ru-RU" sz="1600" b="1" dirty="0">
+                        <a:effectLst/>
+                        <a:latin typeface="Times New Roman" panose="02020603050405020304" pitchFamily="18" charset="0"/>
+                        <a:ea typeface="Times New Roman" panose="02020603050405020304" pitchFamily="18" charset="0"/>
+                        <a:cs typeface="Times New Roman" panose="02020603050405020304" pitchFamily="18" charset="0"/>
+                      </a:endParaRPr>
+                    </a:p>
+                  </a:txBody>
+                  <a:tcPr marL="66602" marR="66602" marT="0" marB="0"/>
+                </a:tc>
+                <a:tc>
+                  <a:txBody>
+                    <a:bodyPr/>
+                    <a:lstStyle/>
+                    <a:p>
+                      <a:pPr marL="0" indent="0" algn="l">
+                        <a:lnSpc>
+                          <a:spcPct val="150000"/>
+                        </a:lnSpc>
+                        <a:spcAft>
+                          <a:spcPts val="0"/>
+                        </a:spcAft>
+                      </a:pPr>
+                      <a:r>
+                        <a:rPr lang="ru-RU" sz="1600" b="1" dirty="0">
+                          <a:effectLst/>
+                        </a:rPr>
+                        <a:t>128 </a:t>
+                      </a:r>
+                      <a:r>
+                        <a:rPr lang="en-US" sz="1600" b="1" dirty="0">
+                          <a:effectLst/>
+                        </a:rPr>
+                        <a:t>x</a:t>
+                      </a:r>
+                      <a:r>
+                        <a:rPr lang="ru-RU" sz="1600" b="1" dirty="0">
+                          <a:effectLst/>
+                        </a:rPr>
+                        <a:t> 128</a:t>
+                      </a:r>
+                      <a:endParaRPr lang="ru-RU" sz="1600" b="1" dirty="0">
+                        <a:effectLst/>
+                        <a:latin typeface="Times New Roman" panose="02020603050405020304" pitchFamily="18" charset="0"/>
+                        <a:ea typeface="Times New Roman" panose="02020603050405020304" pitchFamily="18" charset="0"/>
+                        <a:cs typeface="Times New Roman" panose="02020603050405020304" pitchFamily="18" charset="0"/>
+                      </a:endParaRPr>
+                    </a:p>
+                  </a:txBody>
+                  <a:tcPr marL="66602" marR="66602" marT="0" marB="0"/>
+                </a:tc>
+                <a:tc>
+                  <a:txBody>
+                    <a:bodyPr/>
+                    <a:lstStyle/>
+                    <a:p>
+                      <a:pPr marL="0" indent="0" algn="l">
+                        <a:lnSpc>
+                          <a:spcPct val="150000"/>
+                        </a:lnSpc>
+                        <a:spcAft>
+                          <a:spcPts val="0"/>
+                        </a:spcAft>
+                      </a:pPr>
+                      <a:r>
+                        <a:rPr lang="ru-RU" sz="1600" b="1" dirty="0">
+                          <a:effectLst/>
+                        </a:rPr>
+                        <a:t>256 </a:t>
+                      </a:r>
+                      <a:r>
+                        <a:rPr lang="en-US" sz="1600" b="1" dirty="0">
+                          <a:effectLst/>
+                        </a:rPr>
+                        <a:t>x</a:t>
+                      </a:r>
+                      <a:r>
+                        <a:rPr lang="ru-RU" sz="1600" b="1" dirty="0">
+                          <a:effectLst/>
+                        </a:rPr>
+                        <a:t> 256</a:t>
+                      </a:r>
+                      <a:endParaRPr lang="ru-RU" sz="1600" b="1" dirty="0">
+                        <a:effectLst/>
+                        <a:latin typeface="Times New Roman" panose="02020603050405020304" pitchFamily="18" charset="0"/>
+                        <a:ea typeface="Times New Roman" panose="02020603050405020304" pitchFamily="18" charset="0"/>
+                        <a:cs typeface="Times New Roman" panose="02020603050405020304" pitchFamily="18" charset="0"/>
+                      </a:endParaRPr>
+                    </a:p>
+                  </a:txBody>
+                  <a:tcPr marL="66602" marR="66602" marT="0" marB="0"/>
+                </a:tc>
+                <a:tc>
+                  <a:txBody>
+                    <a:bodyPr/>
+                    <a:lstStyle/>
+                    <a:p>
+                      <a:pPr marL="0" indent="0" algn="l">
+                        <a:lnSpc>
+                          <a:spcPct val="150000"/>
+                        </a:lnSpc>
+                        <a:spcAft>
+                          <a:spcPts val="0"/>
+                        </a:spcAft>
+                      </a:pPr>
+                      <a:r>
+                        <a:rPr lang="ru-RU" sz="1600" b="1" dirty="0">
+                          <a:effectLst/>
+                        </a:rPr>
+                        <a:t>512 </a:t>
+                      </a:r>
+                      <a:r>
+                        <a:rPr lang="en-US" sz="1600" b="1" dirty="0" smtClean="0">
+                          <a:effectLst/>
+                        </a:rPr>
+                        <a:t>x </a:t>
+                      </a:r>
+                      <a:r>
+                        <a:rPr lang="ru-RU" sz="1600" b="1" dirty="0" smtClean="0">
+                          <a:effectLst/>
+                        </a:rPr>
+                        <a:t>512</a:t>
+                      </a:r>
+                      <a:endParaRPr lang="ru-RU" sz="1600" b="1" dirty="0">
+                        <a:effectLst/>
+                        <a:latin typeface="Times New Roman" panose="02020603050405020304" pitchFamily="18" charset="0"/>
+                        <a:ea typeface="Times New Roman" panose="02020603050405020304" pitchFamily="18" charset="0"/>
+                        <a:cs typeface="Times New Roman" panose="02020603050405020304" pitchFamily="18" charset="0"/>
+                      </a:endParaRPr>
+                    </a:p>
+                  </a:txBody>
+                  <a:tcPr marL="66602" marR="66602" marT="0" marB="0"/>
+                </a:tc>
+                <a:tc>
+                  <a:txBody>
+                    <a:bodyPr/>
+                    <a:lstStyle/>
+                    <a:p>
+                      <a:pPr marL="0" indent="0" algn="l">
+                        <a:lnSpc>
+                          <a:spcPct val="150000"/>
+                        </a:lnSpc>
+                        <a:spcAft>
+                          <a:spcPts val="0"/>
+                        </a:spcAft>
+                      </a:pPr>
+                      <a:r>
+                        <a:rPr lang="ru-RU" sz="1600" b="1" dirty="0">
+                          <a:effectLst/>
+                        </a:rPr>
+                        <a:t>1024 </a:t>
+                      </a:r>
+                      <a:r>
+                        <a:rPr lang="en-US" sz="1600" b="1" dirty="0">
+                          <a:effectLst/>
+                        </a:rPr>
+                        <a:t>x</a:t>
+                      </a:r>
+                      <a:r>
+                        <a:rPr lang="ru-RU" sz="1600" b="1" dirty="0">
+                          <a:effectLst/>
+                        </a:rPr>
+                        <a:t> 1024</a:t>
+                      </a:r>
+                      <a:endParaRPr lang="ru-RU" sz="1600" b="1" dirty="0">
+                        <a:effectLst/>
+                        <a:latin typeface="Times New Roman" panose="02020603050405020304" pitchFamily="18" charset="0"/>
+                        <a:ea typeface="Times New Roman" panose="02020603050405020304" pitchFamily="18" charset="0"/>
+                        <a:cs typeface="Times New Roman" panose="02020603050405020304" pitchFamily="18" charset="0"/>
+                      </a:endParaRPr>
+                    </a:p>
+                  </a:txBody>
+                  <a:tcPr marL="66602" marR="66602" marT="0" marB="0"/>
+                </a:tc>
+              </a:tr>
+              <a:tr h="823221">
+                <a:tc>
+                  <a:txBody>
+                    <a:bodyPr/>
+                    <a:lstStyle/>
+                    <a:p>
+                      <a:pPr marL="0" indent="0" algn="l">
+                        <a:lnSpc>
+                          <a:spcPct val="150000"/>
+                        </a:lnSpc>
+                        <a:spcAft>
+                          <a:spcPts val="0"/>
+                        </a:spcAft>
+                      </a:pPr>
+                      <a:r>
+                        <a:rPr lang="ru-RU" sz="1600" dirty="0">
+                          <a:effectLst/>
+                        </a:rPr>
+                        <a:t>Поиск в ширину</a:t>
+                      </a:r>
+                      <a:endParaRPr lang="ru-RU" sz="1600" dirty="0">
+                        <a:effectLst/>
+                        <a:latin typeface="Times New Roman" panose="02020603050405020304" pitchFamily="18" charset="0"/>
+                        <a:ea typeface="Times New Roman" panose="02020603050405020304" pitchFamily="18" charset="0"/>
+                        <a:cs typeface="Times New Roman" panose="02020603050405020304" pitchFamily="18" charset="0"/>
+                      </a:endParaRPr>
+                    </a:p>
+                  </a:txBody>
+                  <a:tcPr marL="66602" marR="66602" marT="0" marB="0"/>
+                </a:tc>
+                <a:tc>
+                  <a:txBody>
+                    <a:bodyPr/>
+                    <a:lstStyle/>
+                    <a:p>
+                      <a:pPr marL="0" indent="0" algn="l">
+                        <a:lnSpc>
+                          <a:spcPct val="150000"/>
+                        </a:lnSpc>
+                        <a:spcAft>
+                          <a:spcPts val="0"/>
+                        </a:spcAft>
+                      </a:pPr>
+                      <a:r>
+                        <a:rPr lang="ru-RU" sz="1600" dirty="0">
+                          <a:effectLst/>
+                        </a:rPr>
+                        <a:t>3155</a:t>
+                      </a:r>
+                      <a:endParaRPr lang="ru-RU" sz="1600" dirty="0">
+                        <a:effectLst/>
+                        <a:latin typeface="Times New Roman" panose="02020603050405020304" pitchFamily="18" charset="0"/>
+                        <a:ea typeface="Times New Roman" panose="02020603050405020304" pitchFamily="18" charset="0"/>
+                        <a:cs typeface="Times New Roman" panose="02020603050405020304" pitchFamily="18" charset="0"/>
+                      </a:endParaRPr>
+                    </a:p>
+                  </a:txBody>
+                  <a:tcPr marL="66602" marR="66602" marT="0" marB="0"/>
+                </a:tc>
+                <a:tc>
+                  <a:txBody>
+                    <a:bodyPr/>
+                    <a:lstStyle/>
+                    <a:p>
+                      <a:pPr marL="0" indent="0" algn="l">
+                        <a:lnSpc>
+                          <a:spcPct val="150000"/>
+                        </a:lnSpc>
+                        <a:spcAft>
+                          <a:spcPts val="0"/>
+                        </a:spcAft>
+                      </a:pPr>
+                      <a:r>
+                        <a:rPr lang="ru-RU" sz="1600" dirty="0">
+                          <a:effectLst/>
+                        </a:rPr>
+                        <a:t>12887</a:t>
+                      </a:r>
+                      <a:endParaRPr lang="ru-RU" sz="1600" dirty="0">
+                        <a:effectLst/>
+                        <a:latin typeface="Times New Roman" panose="02020603050405020304" pitchFamily="18" charset="0"/>
+                        <a:ea typeface="Times New Roman" panose="02020603050405020304" pitchFamily="18" charset="0"/>
+                        <a:cs typeface="Times New Roman" panose="02020603050405020304" pitchFamily="18" charset="0"/>
+                      </a:endParaRPr>
+                    </a:p>
+                  </a:txBody>
+                  <a:tcPr marL="66602" marR="66602" marT="0" marB="0"/>
+                </a:tc>
+                <a:tc>
+                  <a:txBody>
+                    <a:bodyPr/>
+                    <a:lstStyle/>
+                    <a:p>
+                      <a:pPr marL="0" indent="0" algn="l">
+                        <a:lnSpc>
+                          <a:spcPct val="150000"/>
+                        </a:lnSpc>
+                        <a:spcAft>
+                          <a:spcPts val="0"/>
+                        </a:spcAft>
+                      </a:pPr>
+                      <a:r>
+                        <a:rPr lang="ru-RU" sz="1600" dirty="0">
+                          <a:effectLst/>
+                        </a:rPr>
+                        <a:t>52367</a:t>
+                      </a:r>
+                      <a:endParaRPr lang="ru-RU" sz="1600" dirty="0">
+                        <a:effectLst/>
+                        <a:latin typeface="Times New Roman" panose="02020603050405020304" pitchFamily="18" charset="0"/>
+                        <a:ea typeface="Times New Roman" panose="02020603050405020304" pitchFamily="18" charset="0"/>
+                        <a:cs typeface="Times New Roman" panose="02020603050405020304" pitchFamily="18" charset="0"/>
+                      </a:endParaRPr>
+                    </a:p>
+                  </a:txBody>
+                  <a:tcPr marL="66602" marR="66602" marT="0" marB="0"/>
+                </a:tc>
+                <a:tc>
+                  <a:txBody>
+                    <a:bodyPr/>
+                    <a:lstStyle/>
+                    <a:p>
+                      <a:pPr marL="0" indent="0" algn="l">
+                        <a:lnSpc>
+                          <a:spcPct val="150000"/>
+                        </a:lnSpc>
+                        <a:spcAft>
+                          <a:spcPts val="0"/>
+                        </a:spcAft>
+                      </a:pPr>
+                      <a:r>
+                        <a:rPr lang="ru-RU" sz="1600" dirty="0">
+                          <a:effectLst/>
+                        </a:rPr>
+                        <a:t>213648</a:t>
+                      </a:r>
+                      <a:endParaRPr lang="ru-RU" sz="1600" dirty="0">
+                        <a:effectLst/>
+                        <a:latin typeface="Times New Roman" panose="02020603050405020304" pitchFamily="18" charset="0"/>
+                        <a:ea typeface="Times New Roman" panose="02020603050405020304" pitchFamily="18" charset="0"/>
+                        <a:cs typeface="Times New Roman" panose="02020603050405020304" pitchFamily="18" charset="0"/>
+                      </a:endParaRPr>
+                    </a:p>
+                  </a:txBody>
+                  <a:tcPr marL="66602" marR="66602" marT="0" marB="0"/>
+                </a:tc>
+                <a:tc>
+                  <a:txBody>
+                    <a:bodyPr/>
+                    <a:lstStyle/>
+                    <a:p>
+                      <a:pPr marL="0" indent="0" algn="l">
+                        <a:lnSpc>
+                          <a:spcPct val="150000"/>
+                        </a:lnSpc>
+                        <a:spcAft>
+                          <a:spcPts val="0"/>
+                        </a:spcAft>
+                      </a:pPr>
+                      <a:r>
+                        <a:rPr lang="ru-RU" sz="1600" dirty="0">
+                          <a:effectLst/>
+                        </a:rPr>
+                        <a:t>1159255</a:t>
+                      </a:r>
+                      <a:endParaRPr lang="ru-RU" sz="1600" dirty="0">
+                        <a:effectLst/>
+                        <a:latin typeface="Times New Roman" panose="02020603050405020304" pitchFamily="18" charset="0"/>
+                        <a:ea typeface="Times New Roman" panose="02020603050405020304" pitchFamily="18" charset="0"/>
+                        <a:cs typeface="Times New Roman" panose="02020603050405020304" pitchFamily="18" charset="0"/>
+                      </a:endParaRPr>
+                    </a:p>
+                  </a:txBody>
+                  <a:tcPr marL="66602" marR="66602" marT="0" marB="0"/>
+                </a:tc>
+              </a:tr>
+              <a:tr h="996133">
+                <a:tc>
+                  <a:txBody>
+                    <a:bodyPr/>
+                    <a:lstStyle/>
+                    <a:p>
+                      <a:pPr marL="0" indent="0" algn="l">
+                        <a:lnSpc>
+                          <a:spcPct val="150000"/>
+                        </a:lnSpc>
+                        <a:spcAft>
+                          <a:spcPts val="0"/>
+                        </a:spcAft>
+                      </a:pPr>
+                      <a:r>
+                        <a:rPr lang="ru-RU" sz="1600" dirty="0">
+                          <a:effectLst/>
+                        </a:rPr>
+                        <a:t>Алгоритм </a:t>
+                      </a:r>
+                      <a:r>
+                        <a:rPr lang="ru-RU" sz="1600" dirty="0" err="1">
+                          <a:effectLst/>
+                        </a:rPr>
+                        <a:t>Дейкстры</a:t>
+                      </a:r>
+                      <a:endParaRPr lang="ru-RU" sz="1600" dirty="0">
+                        <a:effectLst/>
+                        <a:latin typeface="Times New Roman" panose="02020603050405020304" pitchFamily="18" charset="0"/>
+                        <a:ea typeface="Times New Roman" panose="02020603050405020304" pitchFamily="18" charset="0"/>
+                        <a:cs typeface="Times New Roman" panose="02020603050405020304" pitchFamily="18" charset="0"/>
+                      </a:endParaRPr>
+                    </a:p>
+                  </a:txBody>
+                  <a:tcPr marL="66602" marR="66602" marT="0" marB="0"/>
+                </a:tc>
+                <a:tc>
+                  <a:txBody>
+                    <a:bodyPr/>
+                    <a:lstStyle/>
+                    <a:p>
+                      <a:pPr marL="0" indent="0" algn="l">
+                        <a:lnSpc>
+                          <a:spcPct val="150000"/>
+                        </a:lnSpc>
+                        <a:spcAft>
+                          <a:spcPts val="0"/>
+                        </a:spcAft>
+                      </a:pPr>
+                      <a:r>
+                        <a:rPr lang="ru-RU" sz="1600" dirty="0">
+                          <a:effectLst/>
+                        </a:rPr>
+                        <a:t>3173</a:t>
+                      </a:r>
+                      <a:endParaRPr lang="ru-RU" sz="1600" dirty="0">
+                        <a:effectLst/>
+                        <a:latin typeface="Times New Roman" panose="02020603050405020304" pitchFamily="18" charset="0"/>
+                        <a:ea typeface="Times New Roman" panose="02020603050405020304" pitchFamily="18" charset="0"/>
+                        <a:cs typeface="Times New Roman" panose="02020603050405020304" pitchFamily="18" charset="0"/>
+                      </a:endParaRPr>
+                    </a:p>
+                  </a:txBody>
+                  <a:tcPr marL="66602" marR="66602" marT="0" marB="0"/>
+                </a:tc>
+                <a:tc>
+                  <a:txBody>
+                    <a:bodyPr/>
+                    <a:lstStyle/>
+                    <a:p>
+                      <a:pPr marL="0" indent="0" algn="l">
+                        <a:lnSpc>
+                          <a:spcPct val="150000"/>
+                        </a:lnSpc>
+                        <a:spcAft>
+                          <a:spcPts val="0"/>
+                        </a:spcAft>
+                      </a:pPr>
+                      <a:r>
+                        <a:rPr lang="ru-RU" sz="1600" dirty="0">
+                          <a:effectLst/>
+                        </a:rPr>
+                        <a:t>13058</a:t>
+                      </a:r>
+                      <a:endParaRPr lang="ru-RU" sz="1600" dirty="0">
+                        <a:effectLst/>
+                        <a:latin typeface="Times New Roman" panose="02020603050405020304" pitchFamily="18" charset="0"/>
+                        <a:ea typeface="Times New Roman" panose="02020603050405020304" pitchFamily="18" charset="0"/>
+                        <a:cs typeface="Times New Roman" panose="02020603050405020304" pitchFamily="18" charset="0"/>
+                      </a:endParaRPr>
+                    </a:p>
+                  </a:txBody>
+                  <a:tcPr marL="66602" marR="66602" marT="0" marB="0"/>
+                </a:tc>
+                <a:tc>
+                  <a:txBody>
+                    <a:bodyPr/>
+                    <a:lstStyle/>
+                    <a:p>
+                      <a:pPr marL="0" indent="0" algn="l">
+                        <a:lnSpc>
+                          <a:spcPct val="150000"/>
+                        </a:lnSpc>
+                        <a:spcAft>
+                          <a:spcPts val="0"/>
+                        </a:spcAft>
+                      </a:pPr>
+                      <a:r>
+                        <a:rPr lang="ru-RU" sz="1600" dirty="0">
+                          <a:effectLst/>
+                        </a:rPr>
+                        <a:t>52068</a:t>
+                      </a:r>
+                      <a:endParaRPr lang="ru-RU" sz="1600" dirty="0">
+                        <a:effectLst/>
+                        <a:latin typeface="Times New Roman" panose="02020603050405020304" pitchFamily="18" charset="0"/>
+                        <a:ea typeface="Times New Roman" panose="02020603050405020304" pitchFamily="18" charset="0"/>
+                        <a:cs typeface="Times New Roman" panose="02020603050405020304" pitchFamily="18" charset="0"/>
+                      </a:endParaRPr>
+                    </a:p>
+                  </a:txBody>
+                  <a:tcPr marL="66602" marR="66602" marT="0" marB="0"/>
+                </a:tc>
+                <a:tc>
+                  <a:txBody>
+                    <a:bodyPr/>
+                    <a:lstStyle/>
+                    <a:p>
+                      <a:pPr marL="0" indent="0" algn="l">
+                        <a:lnSpc>
+                          <a:spcPct val="150000"/>
+                        </a:lnSpc>
+                        <a:spcAft>
+                          <a:spcPts val="0"/>
+                        </a:spcAft>
+                      </a:pPr>
+                      <a:r>
+                        <a:rPr lang="ru-RU" sz="1600" dirty="0">
+                          <a:effectLst/>
+                        </a:rPr>
+                        <a:t>209251</a:t>
+                      </a:r>
+                      <a:endParaRPr lang="ru-RU" sz="1600" dirty="0">
+                        <a:effectLst/>
+                        <a:latin typeface="Times New Roman" panose="02020603050405020304" pitchFamily="18" charset="0"/>
+                        <a:ea typeface="Times New Roman" panose="02020603050405020304" pitchFamily="18" charset="0"/>
+                        <a:cs typeface="Times New Roman" panose="02020603050405020304" pitchFamily="18" charset="0"/>
+                      </a:endParaRPr>
+                    </a:p>
+                  </a:txBody>
+                  <a:tcPr marL="66602" marR="66602" marT="0" marB="0"/>
+                </a:tc>
+                <a:tc>
+                  <a:txBody>
+                    <a:bodyPr/>
+                    <a:lstStyle/>
+                    <a:p>
+                      <a:pPr marL="0" indent="0" algn="l">
+                        <a:lnSpc>
+                          <a:spcPct val="150000"/>
+                        </a:lnSpc>
+                        <a:spcAft>
+                          <a:spcPts val="0"/>
+                        </a:spcAft>
+                      </a:pPr>
+                      <a:r>
+                        <a:rPr lang="ru-RU" sz="1600" dirty="0">
+                          <a:effectLst/>
+                        </a:rPr>
+                        <a:t>836977</a:t>
+                      </a:r>
+                      <a:endParaRPr lang="ru-RU" sz="1600" dirty="0">
+                        <a:effectLst/>
+                        <a:latin typeface="Times New Roman" panose="02020603050405020304" pitchFamily="18" charset="0"/>
+                        <a:ea typeface="Times New Roman" panose="02020603050405020304" pitchFamily="18" charset="0"/>
+                        <a:cs typeface="Times New Roman" panose="02020603050405020304" pitchFamily="18" charset="0"/>
+                      </a:endParaRPr>
+                    </a:p>
+                  </a:txBody>
+                  <a:tcPr marL="66602" marR="66602" marT="0" marB="0"/>
+                </a:tc>
+              </a:tr>
+              <a:tr h="664090">
+                <a:tc>
+                  <a:txBody>
+                    <a:bodyPr/>
+                    <a:lstStyle/>
+                    <a:p>
+                      <a:pPr marL="0" indent="0" algn="l">
+                        <a:lnSpc>
+                          <a:spcPct val="150000"/>
+                        </a:lnSpc>
+                        <a:spcAft>
+                          <a:spcPts val="0"/>
+                        </a:spcAft>
+                      </a:pPr>
+                      <a:r>
+                        <a:rPr lang="en-US" sz="1600" dirty="0">
+                          <a:effectLst/>
+                        </a:rPr>
+                        <a:t>A*</a:t>
+                      </a:r>
+                      <a:endParaRPr lang="ru-RU" sz="1600" dirty="0">
+                        <a:effectLst/>
+                        <a:latin typeface="Times New Roman" panose="02020603050405020304" pitchFamily="18" charset="0"/>
+                        <a:ea typeface="Times New Roman" panose="02020603050405020304" pitchFamily="18" charset="0"/>
+                        <a:cs typeface="Times New Roman" panose="02020603050405020304" pitchFamily="18" charset="0"/>
+                      </a:endParaRPr>
+                    </a:p>
+                  </a:txBody>
+                  <a:tcPr marL="66602" marR="66602" marT="0" marB="0"/>
+                </a:tc>
+                <a:tc>
+                  <a:txBody>
+                    <a:bodyPr/>
+                    <a:lstStyle/>
+                    <a:p>
+                      <a:pPr marL="0" indent="0" algn="l">
+                        <a:lnSpc>
+                          <a:spcPct val="150000"/>
+                        </a:lnSpc>
+                        <a:spcAft>
+                          <a:spcPts val="0"/>
+                        </a:spcAft>
+                      </a:pPr>
+                      <a:r>
+                        <a:rPr lang="en-US" sz="1600" dirty="0">
+                          <a:effectLst/>
+                        </a:rPr>
+                        <a:t>623</a:t>
+                      </a:r>
+                      <a:endParaRPr lang="ru-RU" sz="1600" dirty="0">
+                        <a:effectLst/>
+                        <a:latin typeface="Times New Roman" panose="02020603050405020304" pitchFamily="18" charset="0"/>
+                        <a:ea typeface="Times New Roman" panose="02020603050405020304" pitchFamily="18" charset="0"/>
+                        <a:cs typeface="Times New Roman" panose="02020603050405020304" pitchFamily="18" charset="0"/>
+                      </a:endParaRPr>
+                    </a:p>
+                  </a:txBody>
+                  <a:tcPr marL="66602" marR="66602" marT="0" marB="0"/>
+                </a:tc>
+                <a:tc>
+                  <a:txBody>
+                    <a:bodyPr/>
+                    <a:lstStyle/>
+                    <a:p>
+                      <a:pPr marL="0" indent="0" algn="l">
+                        <a:lnSpc>
+                          <a:spcPct val="150000"/>
+                        </a:lnSpc>
+                        <a:spcAft>
+                          <a:spcPts val="0"/>
+                        </a:spcAft>
+                      </a:pPr>
+                      <a:r>
+                        <a:rPr lang="en-US" sz="1600" dirty="0">
+                          <a:effectLst/>
+                        </a:rPr>
+                        <a:t>1576</a:t>
+                      </a:r>
+                      <a:endParaRPr lang="ru-RU" sz="1600" dirty="0">
+                        <a:effectLst/>
+                        <a:latin typeface="Times New Roman" panose="02020603050405020304" pitchFamily="18" charset="0"/>
+                        <a:ea typeface="Times New Roman" panose="02020603050405020304" pitchFamily="18" charset="0"/>
+                        <a:cs typeface="Times New Roman" panose="02020603050405020304" pitchFamily="18" charset="0"/>
+                      </a:endParaRPr>
+                    </a:p>
+                  </a:txBody>
+                  <a:tcPr marL="66602" marR="66602" marT="0" marB="0"/>
+                </a:tc>
+                <a:tc>
+                  <a:txBody>
+                    <a:bodyPr/>
+                    <a:lstStyle/>
+                    <a:p>
+                      <a:pPr marL="0" indent="0" algn="l">
+                        <a:lnSpc>
+                          <a:spcPct val="150000"/>
+                        </a:lnSpc>
+                        <a:spcAft>
+                          <a:spcPts val="0"/>
+                        </a:spcAft>
+                      </a:pPr>
+                      <a:r>
+                        <a:rPr lang="en-US" sz="1600" dirty="0">
+                          <a:effectLst/>
+                        </a:rPr>
+                        <a:t>8071</a:t>
+                      </a:r>
+                      <a:endParaRPr lang="ru-RU" sz="1600" dirty="0">
+                        <a:effectLst/>
+                        <a:latin typeface="Times New Roman" panose="02020603050405020304" pitchFamily="18" charset="0"/>
+                        <a:ea typeface="Times New Roman" panose="02020603050405020304" pitchFamily="18" charset="0"/>
+                        <a:cs typeface="Times New Roman" panose="02020603050405020304" pitchFamily="18" charset="0"/>
+                      </a:endParaRPr>
+                    </a:p>
+                  </a:txBody>
+                  <a:tcPr marL="66602" marR="66602" marT="0" marB="0"/>
+                </a:tc>
+                <a:tc>
+                  <a:txBody>
+                    <a:bodyPr/>
+                    <a:lstStyle/>
+                    <a:p>
+                      <a:pPr marL="0" indent="0" algn="l">
+                        <a:lnSpc>
+                          <a:spcPct val="150000"/>
+                        </a:lnSpc>
+                        <a:spcAft>
+                          <a:spcPts val="0"/>
+                        </a:spcAft>
+                      </a:pPr>
+                      <a:r>
+                        <a:rPr lang="en-US" sz="1600" dirty="0">
+                          <a:effectLst/>
+                        </a:rPr>
+                        <a:t>40333</a:t>
+                      </a:r>
+                      <a:endParaRPr lang="ru-RU" sz="1600" dirty="0">
+                        <a:effectLst/>
+                        <a:latin typeface="Times New Roman" panose="02020603050405020304" pitchFamily="18" charset="0"/>
+                        <a:ea typeface="Times New Roman" panose="02020603050405020304" pitchFamily="18" charset="0"/>
+                        <a:cs typeface="Times New Roman" panose="02020603050405020304" pitchFamily="18" charset="0"/>
+                      </a:endParaRPr>
+                    </a:p>
+                  </a:txBody>
+                  <a:tcPr marL="66602" marR="66602" marT="0" marB="0"/>
+                </a:tc>
+                <a:tc>
+                  <a:txBody>
+                    <a:bodyPr/>
+                    <a:lstStyle/>
+                    <a:p>
+                      <a:pPr marL="0" indent="0" algn="l">
+                        <a:lnSpc>
+                          <a:spcPct val="150000"/>
+                        </a:lnSpc>
+                        <a:spcAft>
+                          <a:spcPts val="0"/>
+                        </a:spcAft>
+                      </a:pPr>
+                      <a:r>
+                        <a:rPr lang="en-US" sz="1600" dirty="0">
+                          <a:effectLst/>
+                        </a:rPr>
+                        <a:t>104109</a:t>
+                      </a:r>
+                      <a:endParaRPr lang="ru-RU" sz="1600" dirty="0">
+                        <a:effectLst/>
+                        <a:latin typeface="Times New Roman" panose="02020603050405020304" pitchFamily="18" charset="0"/>
+                        <a:ea typeface="Times New Roman" panose="02020603050405020304" pitchFamily="18" charset="0"/>
+                        <a:cs typeface="Times New Roman" panose="02020603050405020304" pitchFamily="18" charset="0"/>
+                      </a:endParaRPr>
+                    </a:p>
+                  </a:txBody>
+                  <a:tcPr marL="66602" marR="66602" marT="0" marB="0"/>
+                </a:tc>
+              </a:tr>
+              <a:tr h="664090">
+                <a:tc>
+                  <a:txBody>
+                    <a:bodyPr/>
+                    <a:lstStyle/>
+                    <a:p>
+                      <a:pPr marL="0" indent="0" algn="l">
+                        <a:lnSpc>
+                          <a:spcPct val="150000"/>
+                        </a:lnSpc>
+                        <a:spcAft>
+                          <a:spcPts val="0"/>
+                        </a:spcAft>
+                      </a:pPr>
+                      <a:r>
+                        <a:rPr lang="en-US" sz="1600" dirty="0">
+                          <a:effectLst/>
+                        </a:rPr>
+                        <a:t>HPA*</a:t>
+                      </a:r>
+                      <a:endParaRPr lang="ru-RU" sz="1600" dirty="0">
+                        <a:effectLst/>
+                        <a:latin typeface="Times New Roman" panose="02020603050405020304" pitchFamily="18" charset="0"/>
+                        <a:ea typeface="Times New Roman" panose="02020603050405020304" pitchFamily="18" charset="0"/>
+                        <a:cs typeface="Times New Roman" panose="02020603050405020304" pitchFamily="18" charset="0"/>
+                      </a:endParaRPr>
+                    </a:p>
+                  </a:txBody>
+                  <a:tcPr marL="66602" marR="66602" marT="0" marB="0"/>
+                </a:tc>
+                <a:tc>
+                  <a:txBody>
+                    <a:bodyPr/>
+                    <a:lstStyle/>
+                    <a:p>
+                      <a:pPr marL="0" indent="0" algn="l">
+                        <a:lnSpc>
+                          <a:spcPct val="150000"/>
+                        </a:lnSpc>
+                        <a:spcAft>
+                          <a:spcPts val="0"/>
+                        </a:spcAft>
+                      </a:pPr>
+                      <a:r>
+                        <a:rPr lang="en-US" sz="1600" dirty="0">
+                          <a:effectLst/>
+                        </a:rPr>
+                        <a:t>454</a:t>
+                      </a:r>
+                      <a:endParaRPr lang="ru-RU" sz="1600" dirty="0">
+                        <a:effectLst/>
+                        <a:latin typeface="Times New Roman" panose="02020603050405020304" pitchFamily="18" charset="0"/>
+                        <a:ea typeface="Times New Roman" panose="02020603050405020304" pitchFamily="18" charset="0"/>
+                        <a:cs typeface="Times New Roman" panose="02020603050405020304" pitchFamily="18" charset="0"/>
+                      </a:endParaRPr>
+                    </a:p>
+                  </a:txBody>
+                  <a:tcPr marL="66602" marR="66602" marT="0" marB="0"/>
+                </a:tc>
+                <a:tc>
+                  <a:txBody>
+                    <a:bodyPr/>
+                    <a:lstStyle/>
+                    <a:p>
+                      <a:pPr marL="0" indent="0" algn="l">
+                        <a:lnSpc>
+                          <a:spcPct val="150000"/>
+                        </a:lnSpc>
+                        <a:spcAft>
+                          <a:spcPts val="0"/>
+                        </a:spcAft>
+                      </a:pPr>
+                      <a:r>
+                        <a:rPr lang="en-US" sz="1600" dirty="0">
+                          <a:effectLst/>
+                        </a:rPr>
+                        <a:t>1334</a:t>
+                      </a:r>
+                      <a:endParaRPr lang="ru-RU" sz="1600" dirty="0">
+                        <a:effectLst/>
+                        <a:latin typeface="Times New Roman" panose="02020603050405020304" pitchFamily="18" charset="0"/>
+                        <a:ea typeface="Times New Roman" panose="02020603050405020304" pitchFamily="18" charset="0"/>
+                        <a:cs typeface="Times New Roman" panose="02020603050405020304" pitchFamily="18" charset="0"/>
+                      </a:endParaRPr>
+                    </a:p>
+                  </a:txBody>
+                  <a:tcPr marL="66602" marR="66602" marT="0" marB="0"/>
+                </a:tc>
+                <a:tc>
+                  <a:txBody>
+                    <a:bodyPr/>
+                    <a:lstStyle/>
+                    <a:p>
+                      <a:pPr marL="0" indent="0" algn="l">
+                        <a:lnSpc>
+                          <a:spcPct val="150000"/>
+                        </a:lnSpc>
+                        <a:spcAft>
+                          <a:spcPts val="0"/>
+                        </a:spcAft>
+                      </a:pPr>
+                      <a:r>
+                        <a:rPr lang="en-US" sz="1600" dirty="0">
+                          <a:effectLst/>
+                        </a:rPr>
+                        <a:t>3551</a:t>
+                      </a:r>
+                      <a:endParaRPr lang="ru-RU" sz="1600" dirty="0">
+                        <a:effectLst/>
+                        <a:latin typeface="Times New Roman" panose="02020603050405020304" pitchFamily="18" charset="0"/>
+                        <a:ea typeface="Times New Roman" panose="02020603050405020304" pitchFamily="18" charset="0"/>
+                        <a:cs typeface="Times New Roman" panose="02020603050405020304" pitchFamily="18" charset="0"/>
+                      </a:endParaRPr>
+                    </a:p>
+                  </a:txBody>
+                  <a:tcPr marL="66602" marR="66602" marT="0" marB="0"/>
+                </a:tc>
+                <a:tc>
+                  <a:txBody>
+                    <a:bodyPr/>
+                    <a:lstStyle/>
+                    <a:p>
+                      <a:pPr marL="0" indent="0" algn="l">
+                        <a:lnSpc>
+                          <a:spcPct val="150000"/>
+                        </a:lnSpc>
+                        <a:spcAft>
+                          <a:spcPts val="0"/>
+                        </a:spcAft>
+                      </a:pPr>
+                      <a:r>
+                        <a:rPr lang="en-US" sz="1600" dirty="0">
+                          <a:effectLst/>
+                        </a:rPr>
+                        <a:t>10629</a:t>
+                      </a:r>
+                      <a:endParaRPr lang="ru-RU" sz="1600" dirty="0">
+                        <a:effectLst/>
+                        <a:latin typeface="Times New Roman" panose="02020603050405020304" pitchFamily="18" charset="0"/>
+                        <a:ea typeface="Times New Roman" panose="02020603050405020304" pitchFamily="18" charset="0"/>
+                        <a:cs typeface="Times New Roman" panose="02020603050405020304" pitchFamily="18" charset="0"/>
+                      </a:endParaRPr>
+                    </a:p>
+                  </a:txBody>
+                  <a:tcPr marL="66602" marR="66602" marT="0" marB="0"/>
+                </a:tc>
+                <a:tc>
+                  <a:txBody>
+                    <a:bodyPr/>
+                    <a:lstStyle/>
+                    <a:p>
+                      <a:pPr marL="0" indent="0" algn="l">
+                        <a:lnSpc>
+                          <a:spcPct val="150000"/>
+                        </a:lnSpc>
+                        <a:spcAft>
+                          <a:spcPts val="0"/>
+                        </a:spcAft>
+                      </a:pPr>
+                      <a:r>
+                        <a:rPr lang="en-US" sz="1600" dirty="0">
+                          <a:effectLst/>
+                        </a:rPr>
+                        <a:t>41491</a:t>
+                      </a:r>
+                      <a:endParaRPr lang="ru-RU" sz="1600" dirty="0">
+                        <a:effectLst/>
+                        <a:latin typeface="Times New Roman" panose="02020603050405020304" pitchFamily="18" charset="0"/>
+                        <a:ea typeface="Times New Roman" panose="02020603050405020304" pitchFamily="18" charset="0"/>
+                        <a:cs typeface="Times New Roman" panose="02020603050405020304" pitchFamily="18" charset="0"/>
+                      </a:endParaRPr>
+                    </a:p>
+                  </a:txBody>
+                  <a:tcPr marL="66602" marR="66602" marT="0" marB="0"/>
+                </a:tc>
+              </a:tr>
+              <a:tr h="823221">
+                <a:tc>
+                  <a:txBody>
+                    <a:bodyPr/>
+                    <a:lstStyle/>
+                    <a:p>
+                      <a:pPr marL="0" indent="0" algn="l">
+                        <a:lnSpc>
+                          <a:spcPct val="150000"/>
+                        </a:lnSpc>
+                        <a:spcAft>
+                          <a:spcPts val="0"/>
+                        </a:spcAft>
+                      </a:pPr>
+                      <a:r>
+                        <a:rPr lang="ru-RU" sz="1600" dirty="0">
+                          <a:effectLst/>
+                        </a:rPr>
+                        <a:t>Лучший-первый</a:t>
+                      </a:r>
+                      <a:endParaRPr lang="ru-RU" sz="1600" dirty="0">
+                        <a:effectLst/>
+                        <a:latin typeface="Times New Roman" panose="02020603050405020304" pitchFamily="18" charset="0"/>
+                        <a:ea typeface="Times New Roman" panose="02020603050405020304" pitchFamily="18" charset="0"/>
+                        <a:cs typeface="Times New Roman" panose="02020603050405020304" pitchFamily="18" charset="0"/>
+                      </a:endParaRPr>
+                    </a:p>
+                  </a:txBody>
+                  <a:tcPr marL="66602" marR="66602" marT="0" marB="0"/>
+                </a:tc>
+                <a:tc>
+                  <a:txBody>
+                    <a:bodyPr/>
+                    <a:lstStyle/>
+                    <a:p>
+                      <a:pPr indent="450215" algn="l">
+                        <a:lnSpc>
+                          <a:spcPct val="150000"/>
+                        </a:lnSpc>
+                        <a:spcAft>
+                          <a:spcPts val="0"/>
+                        </a:spcAft>
+                      </a:pPr>
+                      <a:r>
+                        <a:rPr lang="en-US" sz="1600">
+                          <a:effectLst/>
+                        </a:rPr>
+                        <a:t> </a:t>
+                      </a:r>
+                      <a:endParaRPr lang="ru-RU" sz="1600">
+                        <a:effectLst/>
+                        <a:latin typeface="Times New Roman" panose="02020603050405020304" pitchFamily="18" charset="0"/>
+                        <a:ea typeface="Times New Roman" panose="02020603050405020304" pitchFamily="18" charset="0"/>
+                        <a:cs typeface="Times New Roman" panose="02020603050405020304" pitchFamily="18" charset="0"/>
+                      </a:endParaRPr>
+                    </a:p>
+                  </a:txBody>
+                  <a:tcPr marL="66602" marR="66602" marT="0" marB="0"/>
+                </a:tc>
+                <a:tc>
+                  <a:txBody>
+                    <a:bodyPr/>
+                    <a:lstStyle/>
+                    <a:p>
+                      <a:pPr indent="450215" algn="l">
+                        <a:lnSpc>
+                          <a:spcPct val="150000"/>
+                        </a:lnSpc>
+                        <a:spcAft>
+                          <a:spcPts val="0"/>
+                        </a:spcAft>
+                      </a:pPr>
+                      <a:r>
+                        <a:rPr lang="en-US" sz="1600">
+                          <a:effectLst/>
+                        </a:rPr>
+                        <a:t> </a:t>
+                      </a:r>
+                      <a:endParaRPr lang="ru-RU" sz="1600">
+                        <a:effectLst/>
+                        <a:latin typeface="Times New Roman" panose="02020603050405020304" pitchFamily="18" charset="0"/>
+                        <a:ea typeface="Times New Roman" panose="02020603050405020304" pitchFamily="18" charset="0"/>
+                        <a:cs typeface="Times New Roman" panose="02020603050405020304" pitchFamily="18" charset="0"/>
+                      </a:endParaRPr>
+                    </a:p>
+                  </a:txBody>
+                  <a:tcPr marL="66602" marR="66602" marT="0" marB="0"/>
+                </a:tc>
+                <a:tc>
+                  <a:txBody>
+                    <a:bodyPr/>
+                    <a:lstStyle/>
+                    <a:p>
+                      <a:pPr indent="450215" algn="l">
+                        <a:lnSpc>
+                          <a:spcPct val="150000"/>
+                        </a:lnSpc>
+                        <a:spcAft>
+                          <a:spcPts val="0"/>
+                        </a:spcAft>
+                      </a:pPr>
+                      <a:r>
+                        <a:rPr lang="en-US" sz="1600">
+                          <a:effectLst/>
+                        </a:rPr>
+                        <a:t> </a:t>
+                      </a:r>
+                      <a:endParaRPr lang="ru-RU" sz="1600">
+                        <a:effectLst/>
+                        <a:latin typeface="Times New Roman" panose="02020603050405020304" pitchFamily="18" charset="0"/>
+                        <a:ea typeface="Times New Roman" panose="02020603050405020304" pitchFamily="18" charset="0"/>
+                        <a:cs typeface="Times New Roman" panose="02020603050405020304" pitchFamily="18" charset="0"/>
+                      </a:endParaRPr>
+                    </a:p>
+                  </a:txBody>
+                  <a:tcPr marL="66602" marR="66602" marT="0" marB="0"/>
+                </a:tc>
+                <a:tc>
+                  <a:txBody>
+                    <a:bodyPr/>
+                    <a:lstStyle/>
+                    <a:p>
+                      <a:pPr indent="450215" algn="l">
+                        <a:lnSpc>
+                          <a:spcPct val="150000"/>
+                        </a:lnSpc>
+                        <a:spcAft>
+                          <a:spcPts val="0"/>
+                        </a:spcAft>
+                      </a:pPr>
+                      <a:r>
+                        <a:rPr lang="en-US" sz="1600">
+                          <a:effectLst/>
+                        </a:rPr>
+                        <a:t> </a:t>
+                      </a:r>
+                      <a:endParaRPr lang="ru-RU" sz="1600">
+                        <a:effectLst/>
+                        <a:latin typeface="Times New Roman" panose="02020603050405020304" pitchFamily="18" charset="0"/>
+                        <a:ea typeface="Times New Roman" panose="02020603050405020304" pitchFamily="18" charset="0"/>
+                        <a:cs typeface="Times New Roman" panose="02020603050405020304" pitchFamily="18" charset="0"/>
+                      </a:endParaRPr>
+                    </a:p>
+                  </a:txBody>
+                  <a:tcPr marL="66602" marR="66602" marT="0" marB="0"/>
+                </a:tc>
+                <a:tc>
+                  <a:txBody>
+                    <a:bodyPr/>
+                    <a:lstStyle/>
+                    <a:p>
+                      <a:pPr marL="0" indent="0" algn="l">
+                        <a:lnSpc>
+                          <a:spcPct val="150000"/>
+                        </a:lnSpc>
+                        <a:spcAft>
+                          <a:spcPts val="0"/>
+                        </a:spcAft>
+                      </a:pPr>
+                      <a:r>
+                        <a:rPr lang="ru-RU" sz="1600" dirty="0">
+                          <a:effectLst/>
+                        </a:rPr>
+                        <a:t>1786</a:t>
+                      </a:r>
+                      <a:endParaRPr lang="ru-RU" sz="1600" dirty="0">
+                        <a:effectLst/>
+                        <a:latin typeface="Times New Roman" panose="02020603050405020304" pitchFamily="18" charset="0"/>
+                        <a:ea typeface="Times New Roman" panose="02020603050405020304" pitchFamily="18" charset="0"/>
+                        <a:cs typeface="Times New Roman" panose="02020603050405020304" pitchFamily="18" charset="0"/>
+                      </a:endParaRPr>
+                    </a:p>
+                  </a:txBody>
+                  <a:tcPr marL="66602" marR="66602" marT="0" marB="0"/>
+                </a:tc>
+              </a:tr>
+            </a:tbl>
+          </a:graphicData>
+        </a:graphic>
+      </p:graphicFrame>
+      <p:sp>
+        <p:nvSpPr>
+          <p:cNvPr id="5" name="Прямоугольник 4"/>
+          <p:cNvSpPr/>
+          <p:nvPr/>
+        </p:nvSpPr>
+        <p:spPr>
+          <a:xfrm>
+            <a:off x="96491" y="6042718"/>
+            <a:ext cx="6096000" cy="646331"/>
+          </a:xfrm>
+          <a:prstGeom prst="rect">
+            <a:avLst/>
+          </a:prstGeom>
+        </p:spPr>
+        <p:txBody>
+          <a:bodyPr>
+            <a:spAutoFit/>
+          </a:bodyPr>
+          <a:lstStyle/>
+          <a:p>
+            <a:pPr algn="ctr"/>
+            <a:r>
+              <a:rPr lang="ru-RU" b="1" dirty="0" smtClean="0">
+                <a:latin typeface="Calibri (Основной текст)"/>
+                <a:ea typeface="Times New Roman" panose="02020603050405020304" pitchFamily="18" charset="0"/>
+              </a:rPr>
+              <a:t>Сравнение алгоритмов по количеству рассматриваемых точек</a:t>
+            </a:r>
+            <a:endParaRPr lang="ru-RU" b="1" dirty="0">
+              <a:latin typeface="Calibri (Основной текст)"/>
+            </a:endParaRPr>
+          </a:p>
+        </p:txBody>
+      </p:sp>
+      <p:graphicFrame>
+        <p:nvGraphicFramePr>
+          <p:cNvPr id="6" name="Таблица 5"/>
+          <p:cNvGraphicFramePr>
+            <a:graphicFrameLocks noGrp="1"/>
+          </p:cNvGraphicFramePr>
+          <p:nvPr>
+            <p:extLst>
+              <p:ext uri="{D42A27DB-BD31-4B8C-83A1-F6EECF244321}">
+                <p14:modId xmlns:p14="http://schemas.microsoft.com/office/powerpoint/2010/main" val="1300768953"/>
+              </p:ext>
+            </p:extLst>
+          </p:nvPr>
+        </p:nvGraphicFramePr>
+        <p:xfrm>
+          <a:off x="6361620" y="952457"/>
+          <a:ext cx="5609274" cy="5090262"/>
+        </p:xfrm>
+        <a:graphic>
+          <a:graphicData uri="http://schemas.openxmlformats.org/drawingml/2006/table">
+            <a:tbl>
+              <a:tblPr firstRow="1" firstCol="1" bandRow="1">
+                <a:tableStyleId>{5C22544A-7EE6-4342-B048-85BDC9FD1C3A}</a:tableStyleId>
+              </a:tblPr>
+              <a:tblGrid>
+                <a:gridCol w="2804637"/>
+                <a:gridCol w="2804637"/>
+              </a:tblGrid>
+              <a:tr h="1152879">
+                <a:tc>
+                  <a:txBody>
+                    <a:bodyPr/>
+                    <a:lstStyle/>
+                    <a:p>
+                      <a:pPr marL="0" indent="0" algn="l">
+                        <a:lnSpc>
+                          <a:spcPct val="150000"/>
+                        </a:lnSpc>
+                        <a:spcAft>
+                          <a:spcPts val="0"/>
+                        </a:spcAft>
+                      </a:pPr>
+                      <a:r>
+                        <a:rPr lang="ru-RU" sz="1600" dirty="0">
+                          <a:effectLst/>
+                        </a:rPr>
+                        <a:t>Алгоритм</a:t>
+                      </a:r>
+                      <a:endParaRPr lang="ru-RU" sz="1600" dirty="0">
+                        <a:effectLst/>
+                        <a:latin typeface="Times New Roman" panose="02020603050405020304" pitchFamily="18" charset="0"/>
+                        <a:ea typeface="Times New Roman" panose="02020603050405020304" pitchFamily="18" charset="0"/>
+                        <a:cs typeface="Times New Roman" panose="02020603050405020304" pitchFamily="18" charset="0"/>
+                      </a:endParaRPr>
+                    </a:p>
+                  </a:txBody>
+                  <a:tcPr marL="68580" marR="68580" marT="0" marB="0"/>
+                </a:tc>
+                <a:tc>
+                  <a:txBody>
+                    <a:bodyPr/>
+                    <a:lstStyle/>
+                    <a:p>
+                      <a:pPr marL="0" indent="0" algn="ctr">
+                        <a:lnSpc>
+                          <a:spcPct val="150000"/>
+                        </a:lnSpc>
+                        <a:spcAft>
+                          <a:spcPts val="0"/>
+                        </a:spcAft>
+                      </a:pPr>
+                      <a:r>
+                        <a:rPr lang="ru-RU" sz="1600" dirty="0">
+                          <a:effectLst/>
+                        </a:rPr>
+                        <a:t>Точность результата</a:t>
+                      </a:r>
+                      <a:endParaRPr lang="ru-RU" sz="1600" dirty="0">
+                        <a:effectLst/>
+                        <a:latin typeface="Times New Roman" panose="02020603050405020304" pitchFamily="18" charset="0"/>
+                        <a:ea typeface="Times New Roman" panose="02020603050405020304" pitchFamily="18" charset="0"/>
+                        <a:cs typeface="Times New Roman" panose="02020603050405020304" pitchFamily="18" charset="0"/>
+                      </a:endParaRPr>
+                    </a:p>
+                  </a:txBody>
+                  <a:tcPr marL="68580" marR="68580" marT="0" marB="0"/>
+                </a:tc>
+              </a:tr>
+              <a:tr h="543875">
+                <a:tc>
+                  <a:txBody>
+                    <a:bodyPr/>
+                    <a:lstStyle/>
+                    <a:p>
+                      <a:pPr marL="0" indent="0" algn="l">
+                        <a:lnSpc>
+                          <a:spcPct val="150000"/>
+                        </a:lnSpc>
+                        <a:spcAft>
+                          <a:spcPts val="0"/>
+                        </a:spcAft>
+                      </a:pPr>
+                      <a:r>
+                        <a:rPr lang="ru-RU" sz="1600" dirty="0">
+                          <a:effectLst/>
+                        </a:rPr>
+                        <a:t>Поиск в ширину</a:t>
+                      </a:r>
+                      <a:endParaRPr lang="ru-RU" sz="1600" dirty="0">
+                        <a:effectLst/>
+                        <a:latin typeface="Times New Roman" panose="02020603050405020304" pitchFamily="18" charset="0"/>
+                        <a:ea typeface="Times New Roman" panose="02020603050405020304" pitchFamily="18" charset="0"/>
+                        <a:cs typeface="Times New Roman" panose="02020603050405020304" pitchFamily="18" charset="0"/>
+                      </a:endParaRPr>
+                    </a:p>
+                  </a:txBody>
+                  <a:tcPr marL="68580" marR="68580" marT="0" marB="0"/>
+                </a:tc>
+                <a:tc>
+                  <a:txBody>
+                    <a:bodyPr/>
+                    <a:lstStyle/>
+                    <a:p>
+                      <a:pPr marL="0" indent="0" algn="l">
+                        <a:lnSpc>
+                          <a:spcPct val="150000"/>
+                        </a:lnSpc>
+                        <a:spcAft>
+                          <a:spcPts val="0"/>
+                        </a:spcAft>
+                      </a:pPr>
+                      <a:r>
+                        <a:rPr lang="ru-RU" sz="1600" dirty="0">
+                          <a:effectLst/>
+                        </a:rPr>
+                        <a:t>Точный</a:t>
+                      </a:r>
+                      <a:endParaRPr lang="ru-RU" sz="1600" dirty="0">
+                        <a:effectLst/>
+                        <a:latin typeface="Times New Roman" panose="02020603050405020304" pitchFamily="18" charset="0"/>
+                        <a:ea typeface="Times New Roman" panose="02020603050405020304" pitchFamily="18" charset="0"/>
+                        <a:cs typeface="Times New Roman" panose="02020603050405020304" pitchFamily="18" charset="0"/>
+                      </a:endParaRPr>
+                    </a:p>
+                  </a:txBody>
+                  <a:tcPr marL="68580" marR="68580" marT="0" marB="0"/>
+                </a:tc>
+              </a:tr>
+              <a:tr h="1152879">
+                <a:tc>
+                  <a:txBody>
+                    <a:bodyPr/>
+                    <a:lstStyle/>
+                    <a:p>
+                      <a:pPr marL="0" indent="0" algn="l">
+                        <a:lnSpc>
+                          <a:spcPct val="150000"/>
+                        </a:lnSpc>
+                        <a:spcAft>
+                          <a:spcPts val="0"/>
+                        </a:spcAft>
+                      </a:pPr>
+                      <a:r>
+                        <a:rPr lang="ru-RU" sz="1600" dirty="0">
+                          <a:effectLst/>
+                        </a:rPr>
+                        <a:t>Алгоритм </a:t>
+                      </a:r>
+                      <a:r>
+                        <a:rPr lang="ru-RU" sz="1600" dirty="0" err="1">
+                          <a:effectLst/>
+                        </a:rPr>
+                        <a:t>Дейкстры</a:t>
+                      </a:r>
+                      <a:endParaRPr lang="ru-RU" sz="1600" dirty="0">
+                        <a:effectLst/>
+                        <a:latin typeface="Times New Roman" panose="02020603050405020304" pitchFamily="18" charset="0"/>
+                        <a:ea typeface="Times New Roman" panose="02020603050405020304" pitchFamily="18" charset="0"/>
+                        <a:cs typeface="Times New Roman" panose="02020603050405020304" pitchFamily="18" charset="0"/>
+                      </a:endParaRPr>
+                    </a:p>
+                  </a:txBody>
+                  <a:tcPr marL="68580" marR="68580" marT="0" marB="0"/>
+                </a:tc>
+                <a:tc>
+                  <a:txBody>
+                    <a:bodyPr/>
+                    <a:lstStyle/>
+                    <a:p>
+                      <a:pPr marL="0" indent="0" algn="l">
+                        <a:lnSpc>
+                          <a:spcPct val="150000"/>
+                        </a:lnSpc>
+                        <a:spcAft>
+                          <a:spcPts val="0"/>
+                        </a:spcAft>
+                      </a:pPr>
+                      <a:r>
+                        <a:rPr lang="ru-RU" sz="1600" dirty="0">
+                          <a:effectLst/>
+                        </a:rPr>
+                        <a:t>Точный</a:t>
+                      </a:r>
+                      <a:endParaRPr lang="ru-RU" sz="1600" dirty="0">
+                        <a:effectLst/>
+                        <a:latin typeface="Times New Roman" panose="02020603050405020304" pitchFamily="18" charset="0"/>
+                        <a:ea typeface="Times New Roman" panose="02020603050405020304" pitchFamily="18" charset="0"/>
+                        <a:cs typeface="Times New Roman" panose="02020603050405020304" pitchFamily="18" charset="0"/>
+                      </a:endParaRPr>
+                    </a:p>
+                  </a:txBody>
+                  <a:tcPr marL="68580" marR="68580" marT="0" marB="0"/>
+                </a:tc>
+              </a:tr>
+              <a:tr h="543875">
+                <a:tc>
+                  <a:txBody>
+                    <a:bodyPr/>
+                    <a:lstStyle/>
+                    <a:p>
+                      <a:pPr marL="0" indent="0" algn="l">
+                        <a:lnSpc>
+                          <a:spcPct val="150000"/>
+                        </a:lnSpc>
+                        <a:spcAft>
+                          <a:spcPts val="0"/>
+                        </a:spcAft>
+                      </a:pPr>
+                      <a:r>
+                        <a:rPr lang="en-US" sz="1600" dirty="0">
+                          <a:effectLst/>
+                        </a:rPr>
+                        <a:t>A*</a:t>
+                      </a:r>
+                      <a:endParaRPr lang="ru-RU" sz="1600" dirty="0">
+                        <a:effectLst/>
+                        <a:latin typeface="Times New Roman" panose="02020603050405020304" pitchFamily="18" charset="0"/>
+                        <a:ea typeface="Times New Roman" panose="02020603050405020304" pitchFamily="18" charset="0"/>
+                        <a:cs typeface="Times New Roman" panose="02020603050405020304" pitchFamily="18" charset="0"/>
+                      </a:endParaRPr>
+                    </a:p>
+                  </a:txBody>
+                  <a:tcPr marL="68580" marR="68580" marT="0" marB="0"/>
+                </a:tc>
+                <a:tc>
+                  <a:txBody>
+                    <a:bodyPr/>
+                    <a:lstStyle/>
+                    <a:p>
+                      <a:pPr marL="0" indent="0" algn="l">
+                        <a:lnSpc>
+                          <a:spcPct val="150000"/>
+                        </a:lnSpc>
+                        <a:spcAft>
+                          <a:spcPts val="0"/>
+                        </a:spcAft>
+                      </a:pPr>
+                      <a:r>
+                        <a:rPr lang="ru-RU" sz="1600" dirty="0">
+                          <a:effectLst/>
+                        </a:rPr>
+                        <a:t>Точный</a:t>
+                      </a:r>
+                      <a:endParaRPr lang="ru-RU" sz="1600" dirty="0">
+                        <a:effectLst/>
+                        <a:latin typeface="Times New Roman" panose="02020603050405020304" pitchFamily="18" charset="0"/>
+                        <a:ea typeface="Times New Roman" panose="02020603050405020304" pitchFamily="18" charset="0"/>
+                        <a:cs typeface="Times New Roman" panose="02020603050405020304" pitchFamily="18" charset="0"/>
+                      </a:endParaRPr>
+                    </a:p>
+                  </a:txBody>
+                  <a:tcPr marL="68580" marR="68580" marT="0" marB="0"/>
+                </a:tc>
+              </a:tr>
+              <a:tr h="543875">
+                <a:tc>
+                  <a:txBody>
+                    <a:bodyPr/>
+                    <a:lstStyle/>
+                    <a:p>
+                      <a:pPr marL="0" indent="0" algn="l">
+                        <a:lnSpc>
+                          <a:spcPct val="150000"/>
+                        </a:lnSpc>
+                        <a:spcAft>
+                          <a:spcPts val="0"/>
+                        </a:spcAft>
+                      </a:pPr>
+                      <a:r>
+                        <a:rPr lang="en-US" sz="1600" dirty="0">
+                          <a:effectLst/>
+                        </a:rPr>
+                        <a:t>HPA*</a:t>
+                      </a:r>
+                      <a:endParaRPr lang="ru-RU" sz="1600" dirty="0">
+                        <a:effectLst/>
+                        <a:latin typeface="Times New Roman" panose="02020603050405020304" pitchFamily="18" charset="0"/>
+                        <a:ea typeface="Times New Roman" panose="02020603050405020304" pitchFamily="18" charset="0"/>
+                        <a:cs typeface="Times New Roman" panose="02020603050405020304" pitchFamily="18" charset="0"/>
+                      </a:endParaRPr>
+                    </a:p>
+                  </a:txBody>
+                  <a:tcPr marL="68580" marR="68580" marT="0" marB="0"/>
+                </a:tc>
+                <a:tc>
+                  <a:txBody>
+                    <a:bodyPr/>
+                    <a:lstStyle/>
+                    <a:p>
+                      <a:pPr marL="0" indent="0" algn="l">
+                        <a:lnSpc>
+                          <a:spcPct val="150000"/>
+                        </a:lnSpc>
+                        <a:spcAft>
+                          <a:spcPts val="0"/>
+                        </a:spcAft>
+                      </a:pPr>
+                      <a:r>
+                        <a:rPr lang="ru-RU" sz="1600" dirty="0">
+                          <a:effectLst/>
+                        </a:rPr>
+                        <a:t>Погрешность 1</a:t>
+                      </a:r>
+                      <a:r>
+                        <a:rPr lang="en-US" sz="1600" dirty="0">
+                          <a:effectLst/>
+                        </a:rPr>
+                        <a:t>%</a:t>
+                      </a:r>
+                      <a:endParaRPr lang="ru-RU" sz="1600" dirty="0">
+                        <a:effectLst/>
+                        <a:latin typeface="Times New Roman" panose="02020603050405020304" pitchFamily="18" charset="0"/>
+                        <a:ea typeface="Times New Roman" panose="02020603050405020304" pitchFamily="18" charset="0"/>
+                        <a:cs typeface="Times New Roman" panose="02020603050405020304" pitchFamily="18" charset="0"/>
+                      </a:endParaRPr>
+                    </a:p>
+                  </a:txBody>
+                  <a:tcPr marL="68580" marR="68580" marT="0" marB="0"/>
+                </a:tc>
+              </a:tr>
+              <a:tr h="1152879">
+                <a:tc>
+                  <a:txBody>
+                    <a:bodyPr/>
+                    <a:lstStyle/>
+                    <a:p>
+                      <a:pPr marL="0" indent="0" algn="l">
+                        <a:lnSpc>
+                          <a:spcPct val="150000"/>
+                        </a:lnSpc>
+                        <a:spcAft>
+                          <a:spcPts val="0"/>
+                        </a:spcAft>
+                      </a:pPr>
+                      <a:r>
+                        <a:rPr lang="ru-RU" sz="1600" dirty="0">
+                          <a:effectLst/>
+                        </a:rPr>
+                        <a:t>Лучший-первый</a:t>
+                      </a:r>
+                      <a:endParaRPr lang="ru-RU" sz="1600" dirty="0">
+                        <a:effectLst/>
+                        <a:latin typeface="Times New Roman" panose="02020603050405020304" pitchFamily="18" charset="0"/>
+                        <a:ea typeface="Times New Roman" panose="02020603050405020304" pitchFamily="18" charset="0"/>
+                        <a:cs typeface="Times New Roman" panose="02020603050405020304" pitchFamily="18" charset="0"/>
+                      </a:endParaRPr>
+                    </a:p>
+                  </a:txBody>
+                  <a:tcPr marL="68580" marR="68580" marT="0" marB="0"/>
+                </a:tc>
+                <a:tc>
+                  <a:txBody>
+                    <a:bodyPr/>
+                    <a:lstStyle/>
+                    <a:p>
+                      <a:pPr marL="0" indent="0" algn="l">
+                        <a:lnSpc>
+                          <a:spcPct val="150000"/>
+                        </a:lnSpc>
+                        <a:spcAft>
+                          <a:spcPts val="0"/>
+                        </a:spcAft>
+                      </a:pPr>
+                      <a:r>
+                        <a:rPr lang="ru-RU" sz="1600" dirty="0">
+                          <a:effectLst/>
+                        </a:rPr>
+                        <a:t>Произвольный путь</a:t>
+                      </a:r>
+                      <a:endParaRPr lang="ru-RU" sz="1600" dirty="0">
+                        <a:effectLst/>
+                        <a:latin typeface="Times New Roman" panose="02020603050405020304" pitchFamily="18" charset="0"/>
+                        <a:ea typeface="Times New Roman" panose="02020603050405020304" pitchFamily="18" charset="0"/>
+                        <a:cs typeface="Times New Roman" panose="02020603050405020304" pitchFamily="18" charset="0"/>
+                      </a:endParaRPr>
+                    </a:p>
+                  </a:txBody>
+                  <a:tcPr marL="68580" marR="68580" marT="0" marB="0"/>
+                </a:tc>
+              </a:tr>
+            </a:tbl>
+          </a:graphicData>
+        </a:graphic>
+      </p:graphicFrame>
+      <p:sp>
+        <p:nvSpPr>
+          <p:cNvPr id="7" name="Прямоугольник 6"/>
+          <p:cNvSpPr/>
+          <p:nvPr/>
+        </p:nvSpPr>
+        <p:spPr>
+          <a:xfrm>
+            <a:off x="6192491" y="6042718"/>
+            <a:ext cx="6096000" cy="369332"/>
+          </a:xfrm>
+          <a:prstGeom prst="rect">
+            <a:avLst/>
+          </a:prstGeom>
+        </p:spPr>
+        <p:txBody>
+          <a:bodyPr>
+            <a:spAutoFit/>
+          </a:bodyPr>
+          <a:lstStyle/>
+          <a:p>
+            <a:pPr algn="ctr"/>
+            <a:r>
+              <a:rPr lang="ru-RU" b="1" dirty="0">
+                <a:latin typeface="Calibri (Основной текст)"/>
+                <a:ea typeface="Times New Roman" panose="02020603050405020304" pitchFamily="18" charset="0"/>
+              </a:rPr>
+              <a:t>Сравнение алгоритмов по </a:t>
+            </a:r>
+            <a:r>
+              <a:rPr lang="ru-RU" b="1" dirty="0" smtClean="0">
+                <a:latin typeface="Calibri (Основной текст)"/>
+                <a:ea typeface="Times New Roman" panose="02020603050405020304" pitchFamily="18" charset="0"/>
+              </a:rPr>
+              <a:t>точности результата</a:t>
+            </a:r>
+            <a:endParaRPr lang="ru-RU" b="1" dirty="0">
+              <a:latin typeface="Calibri (Основной текст)"/>
+            </a:endParaRPr>
+          </a:p>
+        </p:txBody>
+      </p:sp>
+    </p:spTree>
+    <p:extLst>
+      <p:ext uri="{BB962C8B-B14F-4D97-AF65-F5344CB8AC3E}">
+        <p14:creationId xmlns:p14="http://schemas.microsoft.com/office/powerpoint/2010/main" val="2640374313"/>
+      </p:ext>
+    </p:extLst>
+  </p:cSld>
+  <p:clrMapOvr>
+    <a:masterClrMapping/>
+  </p:clrMapOvr>
+  <p:timing>
+    <p:tnLst>
+      <p:par>
+        <p:cTn id="1" dur="indefinite" restart="never" nodeType="tmRoot"/>
+      </p:par>
+    </p:tnLst>
+  </p:timing>
+</p:sld>
+</file>
+
+<file path=ppt/slides/slide5.xml><?xml version="1.0" encoding="utf-8"?>
+<p:sld xmlns:a="http://schemas.openxmlformats.org/drawingml/2006/main" xmlns:r="http://schemas.openxmlformats.org/officeDocument/2006/relationships" xmlns:p="http://schemas.openxmlformats.org/presentationml/2006/main">
+  <p:cSld>
+    <p:spTree>
+      <p:nvGrpSpPr>
+        <p:cNvPr id="1" name=""/>
+        <p:cNvGrpSpPr/>
+        <p:nvPr/>
+      </p:nvGrpSpPr>
+      <p:grpSpPr>
+        <a:xfrm>
+          <a:off x="0" y="0"/>
+          <a:ext cx="0" cy="0"/>
+          <a:chOff x="0" y="0"/>
+          <a:chExt cx="0" cy="0"/>
+        </a:xfrm>
+      </p:grpSpPr>
+      <p:sp>
+        <p:nvSpPr>
+          <p:cNvPr id="2" name="Заголовок 1"/>
+          <p:cNvSpPr>
+            <a:spLocks noGrp="1"/>
+          </p:cNvSpPr>
+          <p:nvPr>
+            <p:ph type="title"/>
+          </p:nvPr>
+        </p:nvSpPr>
         <p:spPr/>
         <p:txBody>
           <a:bodyPr/>
@@ -3793,7 +6784,7 @@
           <a:p>
             <a:r>
               <a:rPr lang="ru-RU" dirty="0" smtClean="0"/>
-              <a:t>Исследование</a:t>
+              <a:t>Дискретное рабочее пространство</a:t>
             </a:r>
             <a:endParaRPr lang="ru-RU" dirty="0"/>
           </a:p>
@@ -3932,129 +6923,13 @@
   <p:clrMapOvr>
     <a:masterClrMapping/>
   </p:clrMapOvr>
-</p:sld>
-</file>
-
-<file path=ppt/slides/slide5.xml><?xml version="1.0" encoding="utf-8"?>
-<p:sld xmlns:a="http://schemas.openxmlformats.org/drawingml/2006/main" xmlns:r="http://schemas.openxmlformats.org/officeDocument/2006/relationships" xmlns:p="http://schemas.openxmlformats.org/presentationml/2006/main">
-  <p:cSld>
-    <p:spTree>
-      <p:nvGrpSpPr>
-        <p:cNvPr id="1" name=""/>
-        <p:cNvGrpSpPr/>
-        <p:nvPr/>
-      </p:nvGrpSpPr>
-      <p:grpSpPr>
-        <a:xfrm>
-          <a:off x="0" y="0"/>
-          <a:ext cx="0" cy="0"/>
-          <a:chOff x="0" y="0"/>
-          <a:chExt cx="0" cy="0"/>
-        </a:xfrm>
-      </p:grpSpPr>
-      <p:sp>
-        <p:nvSpPr>
-          <p:cNvPr id="2" name="Заголовок 1"/>
-          <p:cNvSpPr>
-            <a:spLocks noGrp="1"/>
-          </p:cNvSpPr>
-          <p:nvPr>
-            <p:ph type="title"/>
-          </p:nvPr>
-        </p:nvSpPr>
-        <p:spPr/>
-        <p:txBody>
-          <a:bodyPr/>
-          <a:lstStyle/>
-          <a:p>
-            <a:r>
-              <a:rPr lang="ru-RU" dirty="0" smtClean="0"/>
-              <a:t>Исследование. Алгоритм </a:t>
-            </a:r>
-            <a:r>
-              <a:rPr lang="en-US" dirty="0" smtClean="0"/>
-              <a:t>HPA*</a:t>
-            </a:r>
-            <a:endParaRPr lang="ru-RU" dirty="0"/>
-          </a:p>
-        </p:txBody>
-      </p:sp>
-      <p:pic>
-        <p:nvPicPr>
-          <p:cNvPr id="7" name="Рисунок 6"/>
-          <p:cNvPicPr/>
-          <p:nvPr/>
-        </p:nvPicPr>
-        <p:blipFill>
-          <a:blip r:embed="rId2"/>
-          <a:stretch>
-            <a:fillRect/>
-          </a:stretch>
-        </p:blipFill>
-        <p:spPr>
-          <a:xfrm>
-            <a:off x="838200" y="1690688"/>
-            <a:ext cx="4752975" cy="2457450"/>
-          </a:xfrm>
-          <a:prstGeom prst="rect">
-            <a:avLst/>
-          </a:prstGeom>
-        </p:spPr>
-      </p:pic>
-      <p:pic>
-        <p:nvPicPr>
-          <p:cNvPr id="8" name="Рисунок 7"/>
-          <p:cNvPicPr/>
-          <p:nvPr/>
-        </p:nvPicPr>
-        <p:blipFill>
-          <a:blip r:embed="rId3"/>
-          <a:stretch>
-            <a:fillRect/>
-          </a:stretch>
-        </p:blipFill>
-        <p:spPr>
-          <a:xfrm>
-            <a:off x="6562725" y="1624013"/>
-            <a:ext cx="4791075" cy="2565850"/>
-          </a:xfrm>
-          <a:prstGeom prst="rect">
-            <a:avLst/>
-          </a:prstGeom>
-        </p:spPr>
-      </p:pic>
-      <p:pic>
-        <p:nvPicPr>
-          <p:cNvPr id="9" name="Рисунок 8"/>
-          <p:cNvPicPr/>
-          <p:nvPr/>
-        </p:nvPicPr>
-        <p:blipFill>
-          <a:blip r:embed="rId4"/>
-          <a:stretch>
-            <a:fillRect/>
-          </a:stretch>
-        </p:blipFill>
-        <p:spPr>
-          <a:xfrm>
-            <a:off x="3662362" y="4225926"/>
-            <a:ext cx="4810125" cy="2495550"/>
-          </a:xfrm>
-          <a:prstGeom prst="rect">
-            <a:avLst/>
-          </a:prstGeom>
-        </p:spPr>
-      </p:pic>
-    </p:spTree>
-    <p:extLst>
-      <p:ext uri="{BB962C8B-B14F-4D97-AF65-F5344CB8AC3E}">
-        <p14:creationId xmlns:p14="http://schemas.microsoft.com/office/powerpoint/2010/main" val="3672785647"/>
-      </p:ext>
-    </p:extLst>
-  </p:cSld>
-  <p:clrMapOvr>
-    <a:masterClrMapping/>
-  </p:clrMapOvr>
+  <p:timing>
+    <p:tnLst>
+      <p:par>
+        <p:cTn id="1" dur="indefinite" restart="never" nodeType="tmRoot"/>
+      </p:par>
+    </p:tnLst>
+  </p:timing>
 </p:sld>
 </file>
 
@@ -4092,7 +6967,137 @@
           <a:p>
             <a:r>
               <a:rPr lang="ru-RU" dirty="0" smtClean="0"/>
-              <a:t>Конструирование</a:t>
+              <a:t>Иллюстрация работы алгоритма </a:t>
+            </a:r>
+            <a:r>
+              <a:rPr lang="en-US" dirty="0" smtClean="0"/>
+              <a:t>HPA*</a:t>
+            </a:r>
+            <a:endParaRPr lang="ru-RU" dirty="0"/>
+          </a:p>
+        </p:txBody>
+      </p:sp>
+      <p:pic>
+        <p:nvPicPr>
+          <p:cNvPr id="7" name="Рисунок 6"/>
+          <p:cNvPicPr/>
+          <p:nvPr/>
+        </p:nvPicPr>
+        <p:blipFill>
+          <a:blip r:embed="rId2"/>
+          <a:stretch>
+            <a:fillRect/>
+          </a:stretch>
+        </p:blipFill>
+        <p:spPr>
+          <a:xfrm>
+            <a:off x="838200" y="1690688"/>
+            <a:ext cx="4752975" cy="2457450"/>
+          </a:xfrm>
+          <a:prstGeom prst="rect">
+            <a:avLst/>
+          </a:prstGeom>
+        </p:spPr>
+      </p:pic>
+      <p:pic>
+        <p:nvPicPr>
+          <p:cNvPr id="8" name="Рисунок 7"/>
+          <p:cNvPicPr/>
+          <p:nvPr/>
+        </p:nvPicPr>
+        <p:blipFill>
+          <a:blip r:embed="rId3"/>
+          <a:stretch>
+            <a:fillRect/>
+          </a:stretch>
+        </p:blipFill>
+        <p:spPr>
+          <a:xfrm>
+            <a:off x="6562725" y="1624013"/>
+            <a:ext cx="4791075" cy="2565850"/>
+          </a:xfrm>
+          <a:prstGeom prst="rect">
+            <a:avLst/>
+          </a:prstGeom>
+        </p:spPr>
+      </p:pic>
+      <p:pic>
+        <p:nvPicPr>
+          <p:cNvPr id="9" name="Рисунок 8"/>
+          <p:cNvPicPr/>
+          <p:nvPr/>
+        </p:nvPicPr>
+        <p:blipFill>
+          <a:blip r:embed="rId4"/>
+          <a:stretch>
+            <a:fillRect/>
+          </a:stretch>
+        </p:blipFill>
+        <p:spPr>
+          <a:xfrm>
+            <a:off x="3662362" y="4225926"/>
+            <a:ext cx="4810125" cy="2495550"/>
+          </a:xfrm>
+          <a:prstGeom prst="rect">
+            <a:avLst/>
+          </a:prstGeom>
+        </p:spPr>
+      </p:pic>
+    </p:spTree>
+    <p:extLst>
+      <p:ext uri="{BB962C8B-B14F-4D97-AF65-F5344CB8AC3E}">
+        <p14:creationId xmlns:p14="http://schemas.microsoft.com/office/powerpoint/2010/main" val="3672785647"/>
+      </p:ext>
+    </p:extLst>
+  </p:cSld>
+  <p:clrMapOvr>
+    <a:masterClrMapping/>
+  </p:clrMapOvr>
+  <p:timing>
+    <p:tnLst>
+      <p:par>
+        <p:cTn id="1" dur="indefinite" restart="never" nodeType="tmRoot"/>
+      </p:par>
+    </p:tnLst>
+  </p:timing>
+</p:sld>
+</file>
+
+<file path=ppt/slides/slide7.xml><?xml version="1.0" encoding="utf-8"?>
+<p:sld xmlns:a="http://schemas.openxmlformats.org/drawingml/2006/main" xmlns:r="http://schemas.openxmlformats.org/officeDocument/2006/relationships" xmlns:p="http://schemas.openxmlformats.org/presentationml/2006/main">
+  <p:cSld>
+    <p:spTree>
+      <p:nvGrpSpPr>
+        <p:cNvPr id="1" name=""/>
+        <p:cNvGrpSpPr/>
+        <p:nvPr/>
+      </p:nvGrpSpPr>
+      <p:grpSpPr>
+        <a:xfrm>
+          <a:off x="0" y="0"/>
+          <a:ext cx="0" cy="0"/>
+          <a:chOff x="0" y="0"/>
+          <a:chExt cx="0" cy="0"/>
+        </a:xfrm>
+      </p:grpSpPr>
+      <p:sp>
+        <p:nvSpPr>
+          <p:cNvPr id="2" name="Заголовок 1"/>
+          <p:cNvSpPr>
+            <a:spLocks noGrp="1"/>
+          </p:cNvSpPr>
+          <p:nvPr>
+            <p:ph type="title"/>
+          </p:nvPr>
+        </p:nvSpPr>
+        <p:spPr/>
+        <p:txBody>
+          <a:bodyPr/>
+          <a:lstStyle/>
+          <a:p>
+            <a:r>
+              <a:rPr lang="ru-RU" dirty="0" smtClean="0"/>
+              <a:t>Варианты модификации ДРП</a:t>
             </a:r>
             <a:endParaRPr lang="ru-RU" dirty="0"/>
           </a:p>
@@ -4278,232 +7283,13 @@
   <p:clrMapOvr>
     <a:masterClrMapping/>
   </p:clrMapOvr>
-</p:sld>
-</file>
-
-<file path=ppt/slides/slide7.xml><?xml version="1.0" encoding="utf-8"?>
-<p:sld xmlns:a="http://schemas.openxmlformats.org/drawingml/2006/main" xmlns:r="http://schemas.openxmlformats.org/officeDocument/2006/relationships" xmlns:p="http://schemas.openxmlformats.org/presentationml/2006/main">
-  <p:cSld>
-    <p:spTree>
-      <p:nvGrpSpPr>
-        <p:cNvPr id="1" name=""/>
-        <p:cNvGrpSpPr/>
-        <p:nvPr/>
-      </p:nvGrpSpPr>
-      <p:grpSpPr>
-        <a:xfrm>
-          <a:off x="0" y="0"/>
-          <a:ext cx="0" cy="0"/>
-          <a:chOff x="0" y="0"/>
-          <a:chExt cx="0" cy="0"/>
-        </a:xfrm>
-      </p:grpSpPr>
-      <p:sp>
-        <p:nvSpPr>
-          <p:cNvPr id="2" name="Заголовок 1"/>
-          <p:cNvSpPr>
-            <a:spLocks noGrp="1"/>
-          </p:cNvSpPr>
-          <p:nvPr>
-            <p:ph type="title"/>
-          </p:nvPr>
-        </p:nvSpPr>
-        <p:spPr>
-          <a:xfrm>
-            <a:off x="0" y="-3315"/>
-            <a:ext cx="10515600" cy="1325563"/>
-          </a:xfrm>
-        </p:spPr>
-        <p:txBody>
-          <a:bodyPr/>
-          <a:lstStyle/>
-          <a:p>
-            <a:r>
-              <a:rPr lang="ru-RU" dirty="0" smtClean="0"/>
-              <a:t>Конструирование</a:t>
-            </a:r>
-            <a:endParaRPr lang="ru-RU" dirty="0"/>
-          </a:p>
-        </p:txBody>
-      </p:sp>
-      <p:pic>
-        <p:nvPicPr>
-          <p:cNvPr id="7" name="Рисунок 6"/>
-          <p:cNvPicPr/>
-          <p:nvPr/>
-        </p:nvPicPr>
-        <p:blipFill>
-          <a:blip r:embed="rId2"/>
-          <a:stretch>
-            <a:fillRect/>
-          </a:stretch>
-        </p:blipFill>
-        <p:spPr>
-          <a:xfrm>
-            <a:off x="362713" y="1102589"/>
-            <a:ext cx="4752975" cy="2457450"/>
-          </a:xfrm>
-          <a:prstGeom prst="rect">
-            <a:avLst/>
-          </a:prstGeom>
-        </p:spPr>
-      </p:pic>
-      <p:pic>
-        <p:nvPicPr>
-          <p:cNvPr id="8" name="Рисунок 7"/>
-          <p:cNvPicPr/>
-          <p:nvPr/>
-        </p:nvPicPr>
-        <p:blipFill>
-          <a:blip r:embed="rId3"/>
-          <a:stretch>
-            <a:fillRect/>
-          </a:stretch>
-        </p:blipFill>
-        <p:spPr>
-          <a:xfrm>
-            <a:off x="7127207" y="1102589"/>
-            <a:ext cx="4781550" cy="2466975"/>
-          </a:xfrm>
-          <a:prstGeom prst="rect">
-            <a:avLst/>
-          </a:prstGeom>
-        </p:spPr>
-      </p:pic>
-      <p:pic>
-        <p:nvPicPr>
-          <p:cNvPr id="9" name="Рисунок 8"/>
-          <p:cNvPicPr/>
-          <p:nvPr/>
-        </p:nvPicPr>
-        <p:blipFill>
-          <a:blip r:embed="rId4"/>
-          <a:stretch>
-            <a:fillRect/>
-          </a:stretch>
-        </p:blipFill>
-        <p:spPr>
-          <a:xfrm>
-            <a:off x="353187" y="3658564"/>
-            <a:ext cx="4772025" cy="2466975"/>
-          </a:xfrm>
-          <a:prstGeom prst="rect">
-            <a:avLst/>
-          </a:prstGeom>
-        </p:spPr>
-      </p:pic>
-      <p:pic>
-        <p:nvPicPr>
-          <p:cNvPr id="11" name="Рисунок 10"/>
-          <p:cNvPicPr/>
-          <p:nvPr/>
-        </p:nvPicPr>
-        <p:blipFill>
-          <a:blip r:embed="rId5"/>
-          <a:stretch>
-            <a:fillRect/>
-          </a:stretch>
-        </p:blipFill>
-        <p:spPr>
-          <a:xfrm>
-            <a:off x="7127207" y="3658565"/>
-            <a:ext cx="4772025" cy="2466975"/>
-          </a:xfrm>
-          <a:prstGeom prst="rect">
-            <a:avLst/>
-          </a:prstGeom>
-        </p:spPr>
-      </p:pic>
-      <p:sp>
-        <p:nvSpPr>
-          <p:cNvPr id="3" name="Стрелка вправо 2"/>
-          <p:cNvSpPr/>
-          <p:nvPr/>
-        </p:nvSpPr>
-        <p:spPr>
-          <a:xfrm>
-            <a:off x="5115688" y="1955549"/>
-            <a:ext cx="2011519" cy="624689"/>
-          </a:xfrm>
-          <a:prstGeom prst="rightArrow">
-            <a:avLst/>
-          </a:prstGeom>
-        </p:spPr>
-        <p:style>
-          <a:lnRef idx="2">
-            <a:schemeClr val="accent1">
-              <a:shade val="50000"/>
-            </a:schemeClr>
-          </a:lnRef>
-          <a:fillRef idx="1">
-            <a:schemeClr val="accent1"/>
-          </a:fillRef>
-          <a:effectRef idx="0">
-            <a:schemeClr val="accent1"/>
-          </a:effectRef>
-          <a:fontRef idx="minor">
-            <a:schemeClr val="lt1"/>
-          </a:fontRef>
-        </p:style>
-        <p:txBody>
-          <a:bodyPr rtlCol="0" anchor="ctr"/>
-          <a:lstStyle/>
-          <a:p>
-            <a:pPr algn="ctr"/>
-            <a:endParaRPr lang="ru-RU"/>
-          </a:p>
-        </p:txBody>
-      </p:sp>
-      <p:sp>
-        <p:nvSpPr>
-          <p:cNvPr id="13" name="Стрелка вправо 12"/>
-          <p:cNvSpPr/>
-          <p:nvPr/>
-        </p:nvSpPr>
-        <p:spPr>
-          <a:xfrm>
-            <a:off x="5140518" y="4570182"/>
-            <a:ext cx="2011519" cy="624689"/>
-          </a:xfrm>
-          <a:prstGeom prst="rightArrow">
-            <a:avLst/>
-          </a:prstGeom>
-        </p:spPr>
-        <p:style>
-          <a:lnRef idx="2">
-            <a:schemeClr val="accent1">
-              <a:shade val="50000"/>
-            </a:schemeClr>
-          </a:lnRef>
-          <a:fillRef idx="1">
-            <a:schemeClr val="accent1"/>
-          </a:fillRef>
-          <a:effectRef idx="0">
-            <a:schemeClr val="accent1"/>
-          </a:effectRef>
-          <a:fontRef idx="minor">
-            <a:schemeClr val="lt1"/>
-          </a:fontRef>
-        </p:style>
-        <p:txBody>
-          <a:bodyPr rtlCol="0" anchor="ctr"/>
-          <a:lstStyle/>
-          <a:p>
-            <a:pPr algn="ctr"/>
-            <a:endParaRPr lang="ru-RU"/>
-          </a:p>
-        </p:txBody>
-      </p:sp>
-    </p:spTree>
-    <p:extLst>
-      <p:ext uri="{BB962C8B-B14F-4D97-AF65-F5344CB8AC3E}">
-        <p14:creationId xmlns:p14="http://schemas.microsoft.com/office/powerpoint/2010/main" val="3819292424"/>
-      </p:ext>
-    </p:extLst>
-  </p:cSld>
-  <p:clrMapOvr>
-    <a:masterClrMapping/>
-  </p:clrMapOvr>
+  <p:timing>
+    <p:tnLst>
+      <p:par>
+        <p:cTn id="1" dur="indefinite" restart="never" nodeType="tmRoot"/>
+      </p:par>
+    </p:tnLst>
+  </p:timing>
 </p:sld>
 </file>
 
@@ -4534,14 +7320,19 @@
             <p:ph type="title"/>
           </p:nvPr>
         </p:nvSpPr>
-        <p:spPr/>
+        <p:spPr>
+          <a:xfrm>
+            <a:off x="0" y="-3315"/>
+            <a:ext cx="10515600" cy="1325563"/>
+          </a:xfrm>
+        </p:spPr>
         <p:txBody>
           <a:bodyPr/>
           <a:lstStyle/>
           <a:p>
             <a:r>
               <a:rPr lang="ru-RU" dirty="0" smtClean="0"/>
-              <a:t>Рендеринг картографических данных</a:t>
+              <a:t>Иллюстрация работы модифицированного алгоритма</a:t>
             </a:r>
             <a:endParaRPr lang="ru-RU" dirty="0"/>
           </a:p>
@@ -4549,10 +7340,8 @@
       </p:sp>
       <p:pic>
         <p:nvPicPr>
-          <p:cNvPr id="3" name="Рисунок 2"/>
-          <p:cNvPicPr>
-            <a:picLocks noChangeAspect="1"/>
-          </p:cNvPicPr>
+          <p:cNvPr id="7" name="Рисунок 6"/>
+          <p:cNvPicPr/>
           <p:nvPr/>
         </p:nvPicPr>
         <p:blipFill>
@@ -4563,59 +7352,177 @@
         </p:blipFill>
         <p:spPr>
           <a:xfrm>
-            <a:off x="1448791" y="1358727"/>
-            <a:ext cx="9596438" cy="5037522"/>
+            <a:off x="362713" y="1102589"/>
+            <a:ext cx="4752975" cy="2457450"/>
           </a:xfrm>
           <a:prstGeom prst="rect">
             <a:avLst/>
           </a:prstGeom>
         </p:spPr>
       </p:pic>
-      <p:sp>
-        <p:nvSpPr>
-          <p:cNvPr id="8" name="TextBox 7"/>
-          <p:cNvSpPr txBox="1"/>
+      <p:pic>
+        <p:nvPicPr>
+          <p:cNvPr id="8" name="Рисунок 7"/>
+          <p:cNvPicPr/>
           <p:nvPr/>
-        </p:nvSpPr>
+        </p:nvPicPr>
+        <p:blipFill>
+          <a:blip r:embed="rId3"/>
+          <a:stretch>
+            <a:fillRect/>
+          </a:stretch>
+        </p:blipFill>
         <p:spPr>
           <a:xfrm>
-            <a:off x="3604266" y="6396249"/>
-            <a:ext cx="4983480" cy="461665"/>
+            <a:off x="7127207" y="1102589"/>
+            <a:ext cx="4781550" cy="2466975"/>
           </a:xfrm>
           <a:prstGeom prst="rect">
             <a:avLst/>
           </a:prstGeom>
-          <a:noFill/>
-        </p:spPr>
-        <p:txBody>
-          <a:bodyPr wrap="none" rtlCol="0">
-            <a:spAutoFit/>
-          </a:bodyPr>
+        </p:spPr>
+      </p:pic>
+      <p:pic>
+        <p:nvPicPr>
+          <p:cNvPr id="9" name="Рисунок 8"/>
+          <p:cNvPicPr/>
+          <p:nvPr/>
+        </p:nvPicPr>
+        <p:blipFill>
+          <a:blip r:embed="rId4"/>
+          <a:stretch>
+            <a:fillRect/>
+          </a:stretch>
+        </p:blipFill>
+        <p:spPr>
+          <a:xfrm>
+            <a:off x="353187" y="3658564"/>
+            <a:ext cx="4772025" cy="2466975"/>
+          </a:xfrm>
+          <a:prstGeom prst="rect">
+            <a:avLst/>
+          </a:prstGeom>
+        </p:spPr>
+      </p:pic>
+      <p:pic>
+        <p:nvPicPr>
+          <p:cNvPr id="11" name="Рисунок 10"/>
+          <p:cNvPicPr/>
+          <p:nvPr/>
+        </p:nvPicPr>
+        <p:blipFill>
+          <a:blip r:embed="rId5"/>
+          <a:stretch>
+            <a:fillRect/>
+          </a:stretch>
+        </p:blipFill>
+        <p:spPr>
+          <a:xfrm>
+            <a:off x="7127207" y="3658565"/>
+            <a:ext cx="4772025" cy="2466975"/>
+          </a:xfrm>
+          <a:prstGeom prst="rect">
+            <a:avLst/>
+          </a:prstGeom>
+        </p:spPr>
+      </p:pic>
+      <p:sp>
+        <p:nvSpPr>
+          <p:cNvPr id="3" name="Стрелка вправо 2"/>
+          <p:cNvSpPr/>
+          <p:nvPr/>
+        </p:nvSpPr>
+        <p:spPr>
+          <a:xfrm>
+            <a:off x="5115688" y="1955549"/>
+            <a:ext cx="2011519" cy="624689"/>
+          </a:xfrm>
+          <a:prstGeom prst="rightArrow">
+            <a:avLst/>
+          </a:prstGeom>
+        </p:spPr>
+        <p:style>
+          <a:lnRef idx="2">
+            <a:schemeClr val="accent1">
+              <a:shade val="50000"/>
+            </a:schemeClr>
+          </a:lnRef>
+          <a:fillRef idx="1">
+            <a:schemeClr val="accent1"/>
+          </a:fillRef>
+          <a:effectRef idx="0">
+            <a:schemeClr val="accent1"/>
+          </a:effectRef>
+          <a:fontRef idx="minor">
+            <a:schemeClr val="lt1"/>
+          </a:fontRef>
+        </p:style>
+        <p:txBody>
+          <a:bodyPr rtlCol="0" anchor="ctr"/>
           <a:lstStyle/>
           <a:p>
             <a:pPr algn="ctr"/>
-            <a:r>
-              <a:rPr lang="ru-RU" sz="2400" b="1" dirty="0" smtClean="0"/>
-              <a:t>Рендеринг с помощью </a:t>
-            </a:r>
-            <a:r>
-              <a:rPr lang="en-US" sz="2400" b="1" dirty="0" err="1" smtClean="0"/>
-              <a:t>MapAround</a:t>
-            </a:r>
-            <a:endParaRPr lang="ru-RU" sz="2400" dirty="0"/>
+            <a:endParaRPr lang="ru-RU"/>
+          </a:p>
+        </p:txBody>
+      </p:sp>
+      <p:sp>
+        <p:nvSpPr>
+          <p:cNvPr id="13" name="Стрелка вправо 12"/>
+          <p:cNvSpPr/>
+          <p:nvPr/>
+        </p:nvSpPr>
+        <p:spPr>
+          <a:xfrm>
+            <a:off x="5140518" y="4570182"/>
+            <a:ext cx="2011519" cy="624689"/>
+          </a:xfrm>
+          <a:prstGeom prst="rightArrow">
+            <a:avLst/>
+          </a:prstGeom>
+        </p:spPr>
+        <p:style>
+          <a:lnRef idx="2">
+            <a:schemeClr val="accent1">
+              <a:shade val="50000"/>
+            </a:schemeClr>
+          </a:lnRef>
+          <a:fillRef idx="1">
+            <a:schemeClr val="accent1"/>
+          </a:fillRef>
+          <a:effectRef idx="0">
+            <a:schemeClr val="accent1"/>
+          </a:effectRef>
+          <a:fontRef idx="minor">
+            <a:schemeClr val="lt1"/>
+          </a:fontRef>
+        </p:style>
+        <p:txBody>
+          <a:bodyPr rtlCol="0" anchor="ctr"/>
+          <a:lstStyle/>
+          <a:p>
+            <a:pPr algn="ctr"/>
+            <a:endParaRPr lang="ru-RU"/>
           </a:p>
         </p:txBody>
       </p:sp>
     </p:spTree>
     <p:extLst>
       <p:ext uri="{BB962C8B-B14F-4D97-AF65-F5344CB8AC3E}">
-        <p14:creationId xmlns:p14="http://schemas.microsoft.com/office/powerpoint/2010/main" val="3482546386"/>
+        <p14:creationId xmlns:p14="http://schemas.microsoft.com/office/powerpoint/2010/main" val="3819292424"/>
       </p:ext>
     </p:extLst>
   </p:cSld>
   <p:clrMapOvr>
     <a:masterClrMapping/>
   </p:clrMapOvr>
+  <p:timing>
+    <p:tnLst>
+      <p:par>
+        <p:cTn id="1" dur="indefinite" restart="never" nodeType="tmRoot"/>
+      </p:par>
+    </p:tnLst>
+  </p:timing>
 </p:sld>
 </file>
 
@@ -4653,12 +7560,36 @@
           <a:p>
             <a:r>
               <a:rPr lang="ru-RU" dirty="0" smtClean="0"/>
-              <a:t>Структура проекта</a:t>
+              <a:t>Рендеринг картографических данных</a:t>
             </a:r>
             <a:endParaRPr lang="ru-RU" dirty="0"/>
           </a:p>
         </p:txBody>
       </p:sp>
+      <p:pic>
+        <p:nvPicPr>
+          <p:cNvPr id="3" name="Рисунок 2"/>
+          <p:cNvPicPr>
+            <a:picLocks noChangeAspect="1"/>
+          </p:cNvPicPr>
+          <p:nvPr/>
+        </p:nvPicPr>
+        <p:blipFill>
+          <a:blip r:embed="rId2"/>
+          <a:stretch>
+            <a:fillRect/>
+          </a:stretch>
+        </p:blipFill>
+        <p:spPr>
+          <a:xfrm>
+            <a:off x="1448791" y="1358727"/>
+            <a:ext cx="9596438" cy="5037522"/>
+          </a:xfrm>
+          <a:prstGeom prst="rect">
+            <a:avLst/>
+          </a:prstGeom>
+        </p:spPr>
+      </p:pic>
       <p:sp>
         <p:nvSpPr>
           <p:cNvPr id="8" name="TextBox 7"/>
@@ -4667,8 +7598,8 @@
         </p:nvSpPr>
         <p:spPr>
           <a:xfrm>
-            <a:off x="838200" y="6396335"/>
-            <a:ext cx="2783391" cy="461665"/>
+            <a:off x="3604266" y="6396249"/>
+            <a:ext cx="4983480" cy="461665"/>
           </a:xfrm>
           <a:prstGeom prst="rect">
             <a:avLst/>
@@ -4684,146 +7615,11 @@
             <a:pPr algn="ctr"/>
             <a:r>
               <a:rPr lang="ru-RU" sz="2400" b="1" dirty="0" smtClean="0"/>
-              <a:t>Уровни абстракции</a:t>
-            </a:r>
-            <a:endParaRPr lang="ru-RU" sz="2400" dirty="0"/>
-          </a:p>
-        </p:txBody>
-      </p:sp>
-      <p:pic>
-        <p:nvPicPr>
-          <p:cNvPr id="2050" name="Picture 2" descr="ProjectLayerStructure"/>
-          <p:cNvPicPr>
-            <a:picLocks noChangeAspect="1" noChangeArrowheads="1"/>
-          </p:cNvPicPr>
-          <p:nvPr/>
-        </p:nvPicPr>
-        <p:blipFill>
-          <a:blip r:embed="rId2">
-            <a:extLst>
-              <a:ext uri="{28A0092B-C50C-407E-A947-70E740481C1C}">
-                <a14:useLocalDpi xmlns:a14="http://schemas.microsoft.com/office/drawing/2010/main" val="0"/>
-              </a:ext>
-            </a:extLst>
-          </a:blip>
-          <a:srcRect/>
-          <a:stretch>
-            <a:fillRect/>
-          </a:stretch>
-        </p:blipFill>
-        <p:spPr bwMode="auto">
-          <a:xfrm>
-            <a:off x="998430" y="1317341"/>
-            <a:ext cx="2462916" cy="5078994"/>
-          </a:xfrm>
-          <a:prstGeom prst="rect">
-            <a:avLst/>
-          </a:prstGeom>
-          <a:noFill/>
-          <a:ln>
-            <a:noFill/>
-          </a:ln>
-          <a:extLst>
-            <a:ext uri="{909E8E84-426E-40DD-AFC4-6F175D3DCCD1}">
-              <a14:hiddenFill xmlns:a14="http://schemas.microsoft.com/office/drawing/2010/main">
-                <a:solidFill>
-                  <a:srgbClr val="FFFFFF"/>
-                </a:solidFill>
-              </a14:hiddenFill>
-            </a:ext>
-            <a:ext uri="{91240B29-F687-4F45-9708-019B960494DF}">
-              <a14:hiddenLine xmlns:a14="http://schemas.microsoft.com/office/drawing/2010/main" w="9525">
-                <a:solidFill>
-                  <a:srgbClr val="000000"/>
-                </a:solidFill>
-                <a:miter lim="800000"/>
-                <a:headEnd/>
-                <a:tailEnd/>
-              </a14:hiddenLine>
-            </a:ext>
-          </a:extLst>
-        </p:spPr>
-      </p:pic>
-      <p:pic>
-        <p:nvPicPr>
-          <p:cNvPr id="2051" name="Picture 3" descr="Class Diagram"/>
-          <p:cNvPicPr>
-            <a:picLocks noChangeAspect="1" noChangeArrowheads="1"/>
-          </p:cNvPicPr>
-          <p:nvPr/>
-        </p:nvPicPr>
-        <p:blipFill>
-          <a:blip r:embed="rId3" cstate="print">
-            <a:extLst>
-              <a:ext uri="{28A0092B-C50C-407E-A947-70E740481C1C}">
-                <a14:useLocalDpi xmlns:a14="http://schemas.microsoft.com/office/drawing/2010/main" val="0"/>
-              </a:ext>
-            </a:extLst>
-          </a:blip>
-          <a:srcRect/>
-          <a:stretch>
-            <a:fillRect/>
-          </a:stretch>
-        </p:blipFill>
-        <p:spPr bwMode="auto">
-          <a:xfrm>
-            <a:off x="3930947" y="1317341"/>
-            <a:ext cx="7666541" cy="5101077"/>
-          </a:xfrm>
-          <a:prstGeom prst="rect">
-            <a:avLst/>
-          </a:prstGeom>
-          <a:noFill/>
-          <a:ln>
-            <a:noFill/>
-          </a:ln>
-          <a:extLst>
-            <a:ext uri="{909E8E84-426E-40DD-AFC4-6F175D3DCCD1}">
-              <a14:hiddenFill xmlns:a14="http://schemas.microsoft.com/office/drawing/2010/main">
-                <a:solidFill>
-                  <a:srgbClr val="FFFFFF"/>
-                </a:solidFill>
-              </a14:hiddenFill>
-            </a:ext>
-            <a:ext uri="{91240B29-F687-4F45-9708-019B960494DF}">
-              <a14:hiddenLine xmlns:a14="http://schemas.microsoft.com/office/drawing/2010/main" w="9525">
-                <a:solidFill>
-                  <a:srgbClr val="000000"/>
-                </a:solidFill>
-                <a:miter lim="800000"/>
-                <a:headEnd/>
-                <a:tailEnd/>
-              </a14:hiddenLine>
-            </a:ext>
-          </a:extLst>
-        </p:spPr>
-      </p:pic>
-      <p:sp>
-        <p:nvSpPr>
-          <p:cNvPr id="7" name="TextBox 6"/>
-          <p:cNvSpPr txBox="1"/>
-          <p:nvPr/>
-        </p:nvSpPr>
-        <p:spPr>
-          <a:xfrm>
-            <a:off x="5477026" y="6396334"/>
-            <a:ext cx="4574393" cy="461665"/>
-          </a:xfrm>
-          <a:prstGeom prst="rect">
-            <a:avLst/>
-          </a:prstGeom>
-          <a:noFill/>
-        </p:spPr>
-        <p:txBody>
-          <a:bodyPr wrap="none" rtlCol="0">
-            <a:spAutoFit/>
-          </a:bodyPr>
-          <a:lstStyle/>
-          <a:p>
-            <a:pPr algn="ctr"/>
-            <a:r>
-              <a:rPr lang="ru-RU" sz="2400" b="1" dirty="0" smtClean="0"/>
-              <a:t>Упрощенная диаграмма классов</a:t>
+              <a:t>Рендеринг с помощью </a:t>
+            </a:r>
+            <a:r>
+              <a:rPr lang="en-US" sz="2400" b="1" dirty="0" err="1" smtClean="0"/>
+              <a:t>MapAround</a:t>
             </a:r>
             <a:endParaRPr lang="ru-RU" sz="2400" dirty="0"/>
           </a:p>
@@ -4832,13 +7628,20 @@
     </p:spTree>
     <p:extLst>
       <p:ext uri="{BB962C8B-B14F-4D97-AF65-F5344CB8AC3E}">
-        <p14:creationId xmlns:p14="http://schemas.microsoft.com/office/powerpoint/2010/main" val="4172480119"/>
+        <p14:creationId xmlns:p14="http://schemas.microsoft.com/office/powerpoint/2010/main" val="3482546386"/>
       </p:ext>
     </p:extLst>
   </p:cSld>
   <p:clrMapOvr>
     <a:masterClrMapping/>
   </p:clrMapOvr>
+  <p:timing>
+    <p:tnLst>
+      <p:par>
+        <p:cTn id="1" dur="indefinite" restart="never" nodeType="tmRoot"/>
+      </p:par>
+    </p:tnLst>
+  </p:timing>
 </p:sld>
 </file>
 
